--- a/Methodologies_Olga_Rymarchuk.pptx
+++ b/Methodologies_Olga_Rymarchuk.pptx
@@ -4473,8 +4473,8 @@
         </p:nvSpPr>
         <p:spPr>
           <a:xfrm>
-            <a:off x="817581" y="980728"/>
-            <a:ext cx="7642851" cy="4680520"/>
+            <a:off x="971600" y="980728"/>
+            <a:ext cx="7488832" cy="4680520"/>
           </a:xfrm>
         </p:spPr>
         <p:txBody>
@@ -4485,17 +4485,45 @@
               <a:buNone/>
             </a:pPr>
             <a:r>
-              <a:rPr lang="ru-RU" dirty="0" smtClean="0"/>
+              <a:rPr lang="ru-RU" dirty="0" smtClean="0">
+                <a:solidFill>
+                  <a:schemeClr val="bg1">
+                    <a:lumMod val="50000"/>
+                  </a:schemeClr>
+                </a:solidFill>
+              </a:rPr>
               <a:t/>
             </a:r>
             <a:br>
-              <a:rPr lang="ru-RU" dirty="0" smtClean="0"/>
+              <a:rPr lang="ru-RU" dirty="0" smtClean="0">
+                <a:solidFill>
+                  <a:schemeClr val="bg1">
+                    <a:lumMod val="50000"/>
+                  </a:schemeClr>
+                </a:solidFill>
+              </a:rPr>
             </a:br>
             <a:r>
-              <a:rPr lang="ru-RU" dirty="0" smtClean="0"/>
-              <a:t>Анализ моделей жизненного цикла ПО</a:t>
-            </a:r>
-            <a:endParaRPr lang="uk-UA" dirty="0"/>
+              <a:rPr lang="en-US" dirty="0" smtClean="0">
+                <a:solidFill>
+                  <a:schemeClr val="tx1"/>
+                </a:solidFill>
+              </a:rPr>
+              <a:t>Analysis </a:t>
+            </a:r>
+            <a:r>
+              <a:rPr lang="en-US" dirty="0">
+                <a:solidFill>
+                  <a:schemeClr val="tx1"/>
+                </a:solidFill>
+              </a:rPr>
+              <a:t>SDLC Model </a:t>
+            </a:r>
+            <a:endParaRPr lang="uk-UA" dirty="0">
+              <a:solidFill>
+                <a:schemeClr val="tx1"/>
+              </a:solidFill>
+            </a:endParaRPr>
           </a:p>
         </p:txBody>
       </p:sp>
@@ -4547,7 +4575,7 @@
         </p:spPr>
         <p:txBody>
           <a:bodyPr>
-            <a:normAutofit lnSpcReduction="10000"/>
+            <a:normAutofit/>
           </a:bodyPr>
           <a:lstStyle/>
           <a:p>
@@ -4555,46 +4583,44 @@
               <a:buNone/>
             </a:pPr>
             <a:r>
-              <a:rPr lang="uk-UA" sz="4800" b="1" dirty="0" smtClean="0"/>
-              <a:t>Вид</a:t>
-            </a:r>
-            <a:r>
-              <a:rPr lang="ru-RU" sz="4800" b="1" dirty="0" smtClean="0"/>
-              <a:t>ы моделей жизненного цикла ПО</a:t>
-            </a:r>
+              <a:rPr lang="en-US" sz="4800" b="1" dirty="0"/>
+              <a:t>Types of </a:t>
+            </a:r>
+            <a:r>
+              <a:rPr lang="en-US" sz="4800" b="1" dirty="0" smtClean="0"/>
+              <a:t>SDLC models</a:t>
+            </a:r>
+            <a:endParaRPr lang="en-US" sz="4800" b="1" dirty="0"/>
           </a:p>
           <a:p>
             <a:pPr marL="45720" indent="0" algn="ctr">
               <a:buNone/>
             </a:pPr>
-            <a:endParaRPr lang="ru-RU" sz="4800" b="1" dirty="0" smtClean="0"/>
-          </a:p>
-          <a:p>
-            <a:r>
-              <a:rPr lang="ru-RU" sz="4000" dirty="0" smtClean="0"/>
-              <a:t>Каскадная модель</a:t>
-            </a:r>
-          </a:p>
-          <a:p>
-            <a:r>
-              <a:rPr lang="ru-RU" sz="4000" dirty="0" smtClean="0"/>
-              <a:t>Итеративная модель</a:t>
-            </a:r>
-          </a:p>
-          <a:p>
-            <a:r>
-              <a:rPr lang="ru-RU" sz="4000" dirty="0" smtClean="0"/>
-              <a:t>Спиральная</a:t>
-            </a:r>
-          </a:p>
-          <a:p>
-            <a:r>
-              <a:rPr lang="en-US" sz="4000" dirty="0" smtClean="0"/>
-              <a:t>V- </a:t>
-            </a:r>
-            <a:r>
-              <a:rPr lang="ru-RU" sz="4000" dirty="0" smtClean="0"/>
-              <a:t>модель</a:t>
+            <a:endParaRPr lang="en-US" sz="4800" b="1" dirty="0"/>
+          </a:p>
+          <a:p>
+            <a:r>
+              <a:rPr lang="en-US" sz="4800" b="1" dirty="0"/>
+              <a:t>Cascade model</a:t>
+            </a:r>
+          </a:p>
+          <a:p>
+            <a:r>
+              <a:rPr lang="en-US" sz="4800" b="1" dirty="0"/>
+              <a:t>Iterative model</a:t>
+            </a:r>
+          </a:p>
+          <a:p>
+            <a:r>
+              <a:rPr lang="en-US" sz="4800" b="1" dirty="0" smtClean="0"/>
+              <a:t>Spiral model</a:t>
+            </a:r>
+            <a:endParaRPr lang="en-US" sz="4800" b="1" dirty="0"/>
+          </a:p>
+          <a:p>
+            <a:r>
+              <a:rPr lang="en-US" sz="4800" b="1" dirty="0"/>
+              <a:t>V-model</a:t>
             </a:r>
             <a:endParaRPr lang="uk-UA" sz="4000" dirty="0"/>
           </a:p>
@@ -4656,79 +4682,67 @@
               <a:buNone/>
             </a:pPr>
             <a:r>
-              <a:rPr lang="ru-RU" sz="2800" b="1" dirty="0" smtClean="0"/>
-              <a:t>Несмотря на различия, все модели содержат следующие общие фазы жизненного цикла:</a:t>
-            </a:r>
-          </a:p>
-          <a:p>
-            <a:r>
-              <a:rPr lang="ru-RU" sz="2800" dirty="0"/>
+              <a:rPr lang="en-US" sz="2800" b="1" dirty="0"/>
+              <a:t>Despite the differences, all models contain the following general phases of the life cycle</a:t>
+            </a:r>
+            <a:r>
+              <a:rPr lang="en-US" sz="2800" b="1" dirty="0" smtClean="0"/>
+              <a:t>:</a:t>
+            </a:r>
+          </a:p>
+          <a:p>
+            <a:pPr algn="just"/>
+            <a:r>
+              <a:rPr lang="ru-RU" sz="2800" dirty="0" smtClean="0"/>
               <a:t> </a:t>
             </a:r>
             <a:r>
-              <a:rPr lang="ru-RU" sz="2800" dirty="0" smtClean="0"/>
-              <a:t>сбор и анализ требований к ПО;</a:t>
-            </a:r>
-          </a:p>
-          <a:p>
-            <a:r>
-              <a:rPr lang="ru-RU" sz="2800" dirty="0"/>
-              <a:t> </a:t>
-            </a:r>
-            <a:r>
-              <a:rPr lang="ru-RU" sz="2800" dirty="0" smtClean="0"/>
-              <a:t>проектирование архитектуры;</a:t>
-            </a:r>
-          </a:p>
-          <a:p>
-            <a:r>
-              <a:rPr lang="ru-RU" sz="2800" dirty="0"/>
-              <a:t> </a:t>
-            </a:r>
-            <a:r>
-              <a:rPr lang="ru-RU" sz="2800" dirty="0" smtClean="0"/>
-              <a:t>детальное проектирование;</a:t>
-            </a:r>
-          </a:p>
-          <a:p>
-            <a:r>
-              <a:rPr lang="ru-RU" sz="2800" dirty="0"/>
-              <a:t> </a:t>
-            </a:r>
-            <a:r>
-              <a:rPr lang="ru-RU" sz="2800" dirty="0" smtClean="0"/>
-              <a:t>реализация;</a:t>
-            </a:r>
-          </a:p>
-          <a:p>
-            <a:r>
-              <a:rPr lang="ru-RU" sz="2800" dirty="0"/>
-              <a:t> </a:t>
-            </a:r>
-            <a:r>
-              <a:rPr lang="ru-RU" sz="2800" dirty="0" smtClean="0"/>
-              <a:t>тестирование и  интеграция;</a:t>
-            </a:r>
-          </a:p>
-          <a:p>
-            <a:r>
-              <a:rPr lang="ru-RU" sz="2800" dirty="0"/>
-              <a:t> </a:t>
-            </a:r>
-            <a:r>
-              <a:rPr lang="ru-RU" sz="2800" dirty="0" smtClean="0"/>
-              <a:t>сопровождение;</a:t>
-            </a:r>
-          </a:p>
-          <a:p>
-            <a:r>
-              <a:rPr lang="ru-RU" sz="2800" dirty="0"/>
-              <a:t> </a:t>
-            </a:r>
-            <a:r>
-              <a:rPr lang="ru-RU" sz="2800" dirty="0" smtClean="0"/>
-              <a:t>вывод из эксплуатации</a:t>
-            </a:r>
+              <a:rPr lang="en-US" sz="2800" dirty="0"/>
+              <a:t>collection and analysis of software requirements;</a:t>
+            </a:r>
+          </a:p>
+          <a:p>
+            <a:pPr algn="just"/>
+            <a:r>
+              <a:rPr lang="en-US" sz="2800" dirty="0"/>
+              <a:t>  architecture design;</a:t>
+            </a:r>
+          </a:p>
+          <a:p>
+            <a:pPr algn="just"/>
+            <a:r>
+              <a:rPr lang="en-US" sz="2800" dirty="0"/>
+              <a:t>  detailed design;</a:t>
+            </a:r>
+          </a:p>
+          <a:p>
+            <a:pPr algn="just"/>
+            <a:r>
+              <a:rPr lang="en-US" sz="2800" dirty="0"/>
+              <a:t>  implementation;</a:t>
+            </a:r>
+          </a:p>
+          <a:p>
+            <a:pPr algn="just"/>
+            <a:r>
+              <a:rPr lang="en-US" sz="2800" dirty="0"/>
+              <a:t>  testing and integration;</a:t>
+            </a:r>
+          </a:p>
+          <a:p>
+            <a:pPr algn="just"/>
+            <a:r>
+              <a:rPr lang="en-US" sz="2800" dirty="0"/>
+              <a:t>  accompaniment;</a:t>
+            </a:r>
+          </a:p>
+          <a:p>
+            <a:pPr algn="just"/>
+            <a:r>
+              <a:rPr lang="en-US" sz="2800" dirty="0"/>
+              <a:t>  removal from service</a:t>
+            </a:r>
+            <a:endParaRPr lang="ru-RU" sz="2800" dirty="0" smtClean="0"/>
           </a:p>
         </p:txBody>
       </p:sp>
@@ -4772,14 +4786,14 @@
             <p:ph sz="quarter" idx="13"/>
             <p:extLst>
               <p:ext uri="{D42A27DB-BD31-4B8C-83A1-F6EECF244321}">
-                <p14:modId xmlns:p14="http://schemas.microsoft.com/office/powerpoint/2010/main" val="3977605925"/>
+                <p14:modId xmlns:p14="http://schemas.microsoft.com/office/powerpoint/2010/main" val="1511371250"/>
               </p:ext>
             </p:extLst>
           </p:nvPr>
         </p:nvGraphicFramePr>
         <p:xfrm>
           <a:off x="179512" y="260648"/>
-          <a:ext cx="8784976" cy="6065520"/>
+          <a:ext cx="8784976" cy="5114290"/>
         </p:xfrm>
         <a:graphic>
           <a:graphicData uri="http://schemas.openxmlformats.org/drawingml/2006/table">
@@ -4800,10 +4814,10 @@
                     <a:lstStyle/>
                     <a:p>
                       <a:r>
-                        <a:rPr lang="ru-RU" sz="1800" dirty="0" smtClean="0"/>
-                        <a:t>Каскадная модель</a:t>
+                        <a:rPr lang="en-US" sz="1800" b="1" dirty="0" smtClean="0"/>
+                        <a:t>Cascade model</a:t>
                       </a:r>
-                      <a:endParaRPr lang="uk-UA" sz="1800" dirty="0"/>
+                      <a:endParaRPr lang="en-US" sz="1800" b="1" dirty="0"/>
                     </a:p>
                   </a:txBody>
                   <a:tcPr/>
@@ -4814,10 +4828,10 @@
                     <a:lstStyle/>
                     <a:p>
                       <a:r>
-                        <a:rPr lang="ru-RU" sz="1800" dirty="0" smtClean="0"/>
-                        <a:t>Итеративная модель</a:t>
+                        <a:rPr lang="en-US" sz="1800" b="1" dirty="0" smtClean="0"/>
+                        <a:t>Iterative model</a:t>
                       </a:r>
-                      <a:endParaRPr lang="uk-UA" sz="1800" dirty="0"/>
+                      <a:endParaRPr lang="en-US" sz="1800" b="1" dirty="0"/>
                     </a:p>
                   </a:txBody>
                   <a:tcPr/>
@@ -4828,14 +4842,10 @@
                     <a:lstStyle/>
                     <a:p>
                       <a:r>
-                        <a:rPr lang="ru-RU" sz="1800" dirty="0" smtClean="0"/>
-                        <a:t>Спиральная</a:t>
+                        <a:rPr lang="en-US" sz="1800" b="1" dirty="0" smtClean="0"/>
+                        <a:t>Spiral model</a:t>
                       </a:r>
-                      <a:r>
-                        <a:rPr lang="ru-RU" sz="1800" baseline="0" dirty="0" smtClean="0"/>
-                        <a:t> модель</a:t>
-                      </a:r>
-                      <a:endParaRPr lang="uk-UA" sz="1800" dirty="0"/>
+                      <a:endParaRPr lang="en-US" sz="1800" b="1" dirty="0"/>
                     </a:p>
                   </a:txBody>
                   <a:tcPr/>
@@ -4845,14 +4855,30 @@
                     <a:bodyPr/>
                     <a:lstStyle/>
                     <a:p>
+                      <a:pPr marL="0" marR="0" indent="0" algn="l" defTabSz="914400" rtl="0" eaLnBrk="1" fontAlgn="auto" latinLnBrk="0" hangingPunct="1">
+                        <a:lnSpc>
+                          <a:spcPct val="100000"/>
+                        </a:lnSpc>
+                        <a:spcBef>
+                          <a:spcPts val="0"/>
+                        </a:spcBef>
+                        <a:spcAft>
+                          <a:spcPts val="0"/>
+                        </a:spcAft>
+                        <a:buClrTx/>
+                        <a:buSzTx/>
+                        <a:buFontTx/>
+                        <a:buNone/>
+                        <a:tabLst/>
+                        <a:defRPr/>
+                      </a:pPr>
                       <a:r>
-                        <a:rPr lang="en-US" sz="1800" dirty="0" smtClean="0"/>
-                        <a:t>V -</a:t>
+                        <a:rPr lang="en-US" sz="1800" b="1" dirty="0" smtClean="0"/>
+                        <a:t>V-model</a:t>
                       </a:r>
-                      <a:r>
-                        <a:rPr lang="ru-RU" sz="1800" dirty="0" smtClean="0"/>
-                        <a:t>модель</a:t>
-                      </a:r>
+                      <a:endParaRPr lang="uk-UA" sz="1400" dirty="0" smtClean="0"/>
+                    </a:p>
+                    <a:p>
                       <a:endParaRPr lang="uk-UA" sz="1800" dirty="0"/>
                     </a:p>
                   </a:txBody>
@@ -4870,12 +4896,8 @@
                         <a:buChar char="•"/>
                       </a:pPr>
                       <a:r>
-                        <a:rPr lang="ru-RU" sz="1400" dirty="0" smtClean="0"/>
-                        <a:t>Характеризуется,</a:t>
-                      </a:r>
-                      <a:r>
-                        <a:rPr lang="ru-RU" sz="1400" baseline="0" dirty="0" smtClean="0"/>
-                        <a:t> что этапы разработки идут друг за другом</a:t>
+                        <a:rPr lang="en-US" sz="1400" dirty="0" smtClean="0"/>
+                        <a:t>It is characterized that the development stages go one after another</a:t>
                       </a:r>
                     </a:p>
                     <a:p>
@@ -4883,7 +4905,7 @@
                         <a:buFont typeface="Arial" pitchFamily="34" charset="0"/>
                         <a:buChar char="•"/>
                       </a:pPr>
-                      <a:endParaRPr lang="ru-RU" sz="1400" baseline="0" dirty="0" smtClean="0"/>
+                      <a:endParaRPr lang="en-US" sz="1400" dirty="0" smtClean="0"/>
                     </a:p>
                     <a:p>
                       <a:pPr marL="285750" indent="-285750">
@@ -4891,8 +4913,8 @@
                         <a:buChar char="•"/>
                       </a:pPr>
                       <a:r>
-                        <a:rPr lang="ru-RU" sz="1400" baseline="0" dirty="0" smtClean="0"/>
-                        <a:t>Требования стабильные</a:t>
+                        <a:rPr lang="en-US" sz="1400" dirty="0" smtClean="0"/>
+                        <a:t>Stable requirements</a:t>
                       </a:r>
                     </a:p>
                     <a:p>
@@ -4900,7 +4922,7 @@
                         <a:buFont typeface="Arial" pitchFamily="34" charset="0"/>
                         <a:buChar char="•"/>
                       </a:pPr>
-                      <a:endParaRPr lang="ru-RU" sz="1400" baseline="0" dirty="0" smtClean="0"/>
+                      <a:endParaRPr lang="en-US" sz="1400" dirty="0" smtClean="0"/>
                     </a:p>
                     <a:p>
                       <a:pPr marL="285750" indent="-285750">
@@ -4908,8 +4930,8 @@
                         <a:buChar char="•"/>
                       </a:pPr>
                       <a:r>
-                        <a:rPr lang="ru-RU" sz="1400" baseline="0" dirty="0" smtClean="0"/>
-                        <a:t>Позволяет быстро создавать систему, без дополнительных накладных расходов на организацию процесса разработки</a:t>
+                        <a:rPr lang="en-US" sz="1400" dirty="0" smtClean="0"/>
+                        <a:t>Allows you to quickly create a system without additional overhead for the organization of the development process</a:t>
                       </a:r>
                       <a:endParaRPr lang="uk-UA" sz="1400" dirty="0"/>
                     </a:p>
@@ -4926,16 +4948,8 @@
                         <a:buChar char="•"/>
                       </a:pPr>
                       <a:r>
-                        <a:rPr lang="ru-RU" sz="1400" dirty="0" smtClean="0"/>
-                        <a:t>Ориентирована на проекты,</a:t>
-                      </a:r>
-                      <a:r>
-                        <a:rPr lang="ru-RU" sz="1400" baseline="0" dirty="0" smtClean="0"/>
-                        <a:t> где требования могут меняться по ходу </a:t>
-                      </a:r>
-                      <a:r>
-                        <a:rPr lang="ru-RU" sz="1400" baseline="0" dirty="0" smtClean="0"/>
-                        <a:t>разработки.</a:t>
+                        <a:rPr lang="en-US" sz="1400" dirty="0" smtClean="0"/>
+                        <a:t>Requirements may change as development proceeds.</a:t>
                       </a:r>
                     </a:p>
                     <a:p>
@@ -4943,7 +4957,28 @@
                         <a:buFont typeface="Arial" pitchFamily="34" charset="0"/>
                         <a:buChar char="•"/>
                       </a:pPr>
-                      <a:endParaRPr lang="ru-RU" sz="1400" dirty="0" smtClean="0"/>
+                      <a:endParaRPr lang="en-US" sz="1400" dirty="0" smtClean="0"/>
+                    </a:p>
+                    <a:p>
+                      <a:pPr marL="0" indent="0">
+                        <a:buFont typeface="Arial" pitchFamily="34" charset="0"/>
+                        <a:buNone/>
+                      </a:pPr>
+                      <a:endParaRPr lang="en-US" sz="1400" dirty="0" smtClean="0"/>
+                    </a:p>
+                    <a:p>
+                      <a:pPr marL="285750" indent="-285750">
+                        <a:buFont typeface="Arial" pitchFamily="34" charset="0"/>
+                        <a:buChar char="•"/>
+                      </a:pPr>
+                      <a:endParaRPr lang="en-US" sz="1400" dirty="0" smtClean="0"/>
+                    </a:p>
+                    <a:p>
+                      <a:pPr marL="0" indent="0">
+                        <a:buFont typeface="Arial" pitchFamily="34" charset="0"/>
+                        <a:buNone/>
+                      </a:pPr>
+                      <a:endParaRPr lang="en-US" sz="1400" dirty="0" smtClean="0"/>
                     </a:p>
                     <a:p>
                       <a:pPr marL="285750" indent="-285750">
@@ -4951,12 +4986,8 @@
                         <a:buChar char="•"/>
                       </a:pPr>
                       <a:r>
-                        <a:rPr lang="ru-RU" sz="1400" dirty="0" smtClean="0"/>
-                        <a:t>Имеет</a:t>
-                      </a:r>
-                      <a:r>
-                        <a:rPr lang="ru-RU" sz="1400" baseline="0" dirty="0" smtClean="0"/>
-                        <a:t> большие накладные расходы на организацию процесса, чем</a:t>
+                        <a:rPr lang="en-US" sz="1400" dirty="0" smtClean="0"/>
+                        <a:t>It has a large overhead on the organization of the process than</a:t>
                       </a:r>
                     </a:p>
                     <a:p>
@@ -4964,50 +4995,7 @@
                         <a:buFont typeface="Arial" pitchFamily="34" charset="0"/>
                         <a:buChar char="•"/>
                       </a:pPr>
-                      <a:endParaRPr lang="ru-RU" sz="1400" baseline="0" dirty="0" smtClean="0"/>
-                    </a:p>
-                    <a:p>
-                      <a:pPr marL="285750" marR="0" indent="-285750" algn="l" defTabSz="914400" rtl="0" eaLnBrk="1" fontAlgn="auto" latinLnBrk="0" hangingPunct="1">
-                        <a:lnSpc>
-                          <a:spcPct val="100000"/>
-                        </a:lnSpc>
-                        <a:spcBef>
-                          <a:spcPts val="0"/>
-                        </a:spcBef>
-                        <a:spcAft>
-                          <a:spcPts val="0"/>
-                        </a:spcAft>
-                        <a:buClrTx/>
-                        <a:buSzTx/>
-                        <a:buFont typeface="Arial" pitchFamily="34" charset="0"/>
-                        <a:buChar char="•"/>
-                        <a:tabLst/>
-                        <a:defRPr/>
-                      </a:pPr>
-                      <a:r>
-                        <a:rPr lang="ru-RU" sz="1400" dirty="0" smtClean="0"/>
-                        <a:t>Проект состоит из итераций</a:t>
-                      </a:r>
-                    </a:p>
-                    <a:p>
-                      <a:pPr marL="285750" marR="0" indent="-285750" algn="l" defTabSz="914400" rtl="0" eaLnBrk="1" fontAlgn="auto" latinLnBrk="0" hangingPunct="1">
-                        <a:lnSpc>
-                          <a:spcPct val="100000"/>
-                        </a:lnSpc>
-                        <a:spcBef>
-                          <a:spcPts val="0"/>
-                        </a:spcBef>
-                        <a:spcAft>
-                          <a:spcPts val="0"/>
-                        </a:spcAft>
-                        <a:buClrTx/>
-                        <a:buSzTx/>
-                        <a:buFont typeface="Arial" pitchFamily="34" charset="0"/>
-                        <a:buChar char="•"/>
-                        <a:tabLst/>
-                        <a:defRPr/>
-                      </a:pPr>
-                      <a:endParaRPr lang="ru-RU" sz="1400" baseline="0" dirty="0" smtClean="0"/>
+                      <a:endParaRPr lang="en-US" sz="1400" dirty="0" smtClean="0"/>
                     </a:p>
                     <a:p>
                       <a:pPr marL="285750" indent="-285750">
@@ -5015,8 +5003,25 @@
                         <a:buChar char="•"/>
                       </a:pPr>
                       <a:r>
-                        <a:rPr lang="ru-RU" sz="1400" baseline="0" dirty="0" smtClean="0"/>
-                        <a:t>Но стоимость исправления ошибки в зависимости от длительности проекта не так высока</a:t>
+                        <a:rPr lang="en-US" sz="1400" dirty="0" smtClean="0"/>
+                        <a:t>The project consists of iterations.</a:t>
+                      </a:r>
+                    </a:p>
+                    <a:p>
+                      <a:pPr marL="285750" indent="-285750">
+                        <a:buFont typeface="Arial" pitchFamily="34" charset="0"/>
+                        <a:buChar char="•"/>
+                      </a:pPr>
+                      <a:endParaRPr lang="en-US" sz="1400" dirty="0" smtClean="0"/>
+                    </a:p>
+                    <a:p>
+                      <a:pPr marL="285750" indent="-285750">
+                        <a:buFont typeface="Arial" pitchFamily="34" charset="0"/>
+                        <a:buChar char="•"/>
+                      </a:pPr>
+                      <a:r>
+                        <a:rPr lang="en-US" sz="1400" dirty="0" smtClean="0"/>
+                        <a:t>But the cost of correcting the error depending on the duration of the project is not so high.</a:t>
                       </a:r>
                       <a:endParaRPr lang="uk-UA" sz="1400" dirty="0"/>
                     </a:p>
@@ -5033,12 +5038,8 @@
                         <a:buChar char="•"/>
                       </a:pPr>
                       <a:r>
-                        <a:rPr lang="ru-RU" sz="1400" dirty="0" smtClean="0"/>
-                        <a:t>Ориентирована на проекты,</a:t>
-                      </a:r>
-                      <a:r>
-                        <a:rPr lang="ru-RU" sz="1400" baseline="0" dirty="0" smtClean="0"/>
-                        <a:t> в которых имеются серьезные риски</a:t>
+                        <a:rPr lang="en-US" sz="1400" dirty="0" smtClean="0"/>
+                        <a:t>Serious risks</a:t>
                       </a:r>
                     </a:p>
                     <a:p>
@@ -5046,7 +5047,7 @@
                         <a:buFont typeface="Arial" pitchFamily="34" charset="0"/>
                         <a:buChar char="•"/>
                       </a:pPr>
-                      <a:endParaRPr lang="ru-RU" sz="1400" baseline="0" dirty="0" smtClean="0"/>
+                      <a:endParaRPr lang="en-US" sz="1400" dirty="0" smtClean="0"/>
                     </a:p>
                     <a:p>
                       <a:pPr marL="285750" indent="-285750">
@@ -5054,36 +5055,8 @@
                         <a:buChar char="•"/>
                       </a:pPr>
                       <a:r>
-                        <a:rPr lang="ru-RU" sz="1400" baseline="0" dirty="0" smtClean="0"/>
-                        <a:t>Спираль -</a:t>
-                      </a:r>
-                      <a:r>
-                        <a:rPr lang="en-US" sz="1400" baseline="0" dirty="0" smtClean="0"/>
-                        <a:t>&gt; </a:t>
-                      </a:r>
-                      <a:r>
-                        <a:rPr lang="ru-RU" sz="1400" baseline="0" dirty="0" smtClean="0"/>
-                        <a:t>виток </a:t>
-                      </a:r>
-                      <a:r>
-                        <a:rPr lang="ru-RU" sz="1400" baseline="0" dirty="0" smtClean="0"/>
-                        <a:t>-</a:t>
-                      </a:r>
-                      <a:r>
-                        <a:rPr lang="en-US" sz="1400" baseline="0" dirty="0" smtClean="0"/>
-                        <a:t>&gt; </a:t>
-                      </a:r>
-                      <a:r>
-                        <a:rPr lang="ru-RU" sz="1400" baseline="0" dirty="0" smtClean="0"/>
-                        <a:t>итерация (планирование, анализ рисков, разработка, оценивание заказчиком) -</a:t>
-                      </a:r>
-                      <a:r>
-                        <a:rPr lang="en-US" sz="1400" baseline="0" dirty="0" smtClean="0"/>
-                        <a:t>&gt; </a:t>
-                      </a:r>
-                      <a:r>
-                        <a:rPr lang="ru-RU" sz="1400" baseline="0" dirty="0" smtClean="0"/>
-                        <a:t>продолжаем проект или нет</a:t>
+                        <a:rPr lang="en-US" sz="1400" dirty="0" smtClean="0"/>
+                        <a:t>Spiral -&gt; revolution -&gt; iteration (planning, risk analysis, development, customer evaluation) -&gt; the project continues  or not</a:t>
                       </a:r>
                     </a:p>
                     <a:p>
@@ -5091,7 +5064,7 @@
                         <a:buFont typeface="Arial" pitchFamily="34" charset="0"/>
                         <a:buChar char="•"/>
                       </a:pPr>
-                      <a:endParaRPr lang="ru-RU" sz="1400" baseline="0" dirty="0" smtClean="0"/>
+                      <a:endParaRPr lang="en-US" sz="1400" dirty="0" smtClean="0"/>
                     </a:p>
                     <a:p>
                       <a:pPr marL="285750" indent="-285750">
@@ -5099,15 +5072,9 @@
                         <a:buChar char="•"/>
                       </a:pPr>
                       <a:r>
-                        <a:rPr lang="ru-RU" sz="1400" baseline="0" dirty="0" smtClean="0"/>
-                        <a:t>Характерная черта- на этапе анализа рисков создаются  прототипы, которые позволяют разрешить риск на ранней стадии</a:t>
+                        <a:rPr lang="en-US" sz="1400" dirty="0" smtClean="0"/>
+                        <a:t>At the risk analysis stage, prototypes are created that allow the risk to be resolved at an early stage.</a:t>
                       </a:r>
-                    </a:p>
-                    <a:p>
-                      <a:pPr marL="285750" indent="-285750">
-                        <a:buFont typeface="Arial" pitchFamily="34" charset="0"/>
-                        <a:buChar char="•"/>
-                      </a:pPr>
                       <a:endParaRPr lang="ru-RU" sz="1400" baseline="0" dirty="0" smtClean="0"/>
                     </a:p>
                     <a:p>
@@ -5137,12 +5104,8 @@
                         <a:buChar char="•"/>
                       </a:pPr>
                       <a:r>
-                        <a:rPr lang="ru-RU" sz="1400" dirty="0" smtClean="0"/>
-                        <a:t>Фиксированные требования, стоимость</a:t>
-                      </a:r>
-                      <a:r>
-                        <a:rPr lang="ru-RU" sz="1400" baseline="0" dirty="0" smtClean="0"/>
-                        <a:t> и время</a:t>
+                        <a:rPr lang="en-US" sz="1400" dirty="0" smtClean="0"/>
+                        <a:t>Fixed requirements, cost and time</a:t>
                       </a:r>
                     </a:p>
                     <a:p>
@@ -5150,7 +5113,7 @@
                         <a:buFont typeface="Arial" pitchFamily="34" charset="0"/>
                         <a:buChar char="•"/>
                       </a:pPr>
-                      <a:endParaRPr lang="ru-RU" sz="1400" baseline="0" dirty="0" smtClean="0"/>
+                      <a:endParaRPr lang="en-US" sz="1400" dirty="0" smtClean="0"/>
                     </a:p>
                     <a:p>
                       <a:pPr marL="285750" indent="-285750">
@@ -5158,8 +5121,8 @@
                         <a:buChar char="•"/>
                       </a:pPr>
                       <a:r>
-                        <a:rPr lang="ru-RU" sz="1400" baseline="0" dirty="0" smtClean="0"/>
-                        <a:t>Отличие в том, что этапы анализа и проектирования связан с этапом тестирования</a:t>
+                        <a:rPr lang="en-US" sz="1400" dirty="0" smtClean="0"/>
+                        <a:t>The difference is that the stages of analysis and design are related to the testing stage.</a:t>
                       </a:r>
                     </a:p>
                     <a:p>
@@ -5167,7 +5130,7 @@
                         <a:buFont typeface="Arial" pitchFamily="34" charset="0"/>
                         <a:buChar char="•"/>
                       </a:pPr>
-                      <a:endParaRPr lang="ru-RU" sz="1400" baseline="0" dirty="0" smtClean="0"/>
+                      <a:endParaRPr lang="en-US" sz="1400" dirty="0" smtClean="0"/>
                     </a:p>
                     <a:p>
                       <a:pPr marL="285750" indent="-285750">
@@ -5175,8 +5138,8 @@
                         <a:buChar char="•"/>
                       </a:pPr>
                       <a:r>
-                        <a:rPr lang="ru-RU" sz="1400" baseline="0" dirty="0" smtClean="0"/>
-                        <a:t>Нежелательно, чтобы требования менялись во время разработки</a:t>
+                        <a:rPr lang="en-US" sz="1400" smtClean="0"/>
+                        <a:t>It is not desirable that requirements change during development.</a:t>
                       </a:r>
                       <a:endParaRPr lang="uk-UA" sz="1400" dirty="0"/>
                     </a:p>
@@ -5196,7 +5159,7 @@
         </p:nvSpPr>
         <p:spPr>
           <a:xfrm>
-            <a:off x="2209662" y="2577460"/>
+            <a:off x="2105615" y="2819776"/>
             <a:ext cx="345188" cy="484632"/>
           </a:xfrm>
           <a:prstGeom prst="leftArrow">

--- a/Methodologies_Olga_Rymarchuk.pptx
+++ b/Methodologies_Olga_Rymarchuk.pptx
@@ -8,7 +8,16 @@
     <p:sldId id="256" r:id="rId2"/>
     <p:sldId id="257" r:id="rId3"/>
     <p:sldId id="258" r:id="rId4"/>
-    <p:sldId id="259" r:id="rId5"/>
+    <p:sldId id="260" r:id="rId5"/>
+    <p:sldId id="261" r:id="rId6"/>
+    <p:sldId id="262" r:id="rId7"/>
+    <p:sldId id="263" r:id="rId8"/>
+    <p:sldId id="265" r:id="rId9"/>
+    <p:sldId id="264" r:id="rId10"/>
+    <p:sldId id="266" r:id="rId11"/>
+    <p:sldId id="267" r:id="rId12"/>
+    <p:sldId id="268" r:id="rId13"/>
+    <p:sldId id="259" r:id="rId14"/>
   </p:sldIdLst>
   <p:sldSz cx="9144000" cy="6858000" type="screen4x3"/>
   <p:notesSz cx="6858000" cy="9144000"/>
@@ -532,7 +541,7 @@
           <a:p>
             <a:fld id="{DA53D77D-92F8-4930-BDE5-FCA35DD83265}" type="datetimeFigureOut">
               <a:rPr lang="uk-UA" smtClean="0"/>
-              <a:t>22.07.2019</a:t>
+              <a:t>23.07.2019</a:t>
             </a:fld>
             <a:endParaRPr lang="uk-UA"/>
           </a:p>
@@ -744,7 +753,7 @@
           <a:p>
             <a:fld id="{DA53D77D-92F8-4930-BDE5-FCA35DD83265}" type="datetimeFigureOut">
               <a:rPr lang="uk-UA" smtClean="0"/>
-              <a:t>22.07.2019</a:t>
+              <a:t>23.07.2019</a:t>
             </a:fld>
             <a:endParaRPr lang="uk-UA"/>
           </a:p>
@@ -931,7 +940,7 @@
           <a:p>
             <a:fld id="{DA53D77D-92F8-4930-BDE5-FCA35DD83265}" type="datetimeFigureOut">
               <a:rPr lang="uk-UA" smtClean="0"/>
-              <a:t>22.07.2019</a:t>
+              <a:t>23.07.2019</a:t>
             </a:fld>
             <a:endParaRPr lang="uk-UA"/>
           </a:p>
@@ -1028,7 +1037,7 @@
           <a:p>
             <a:fld id="{DA53D77D-92F8-4930-BDE5-FCA35DD83265}" type="datetimeFigureOut">
               <a:rPr lang="uk-UA" smtClean="0"/>
-              <a:t>22.07.2019</a:t>
+              <a:t>23.07.2019</a:t>
             </a:fld>
             <a:endParaRPr lang="uk-UA"/>
           </a:p>
@@ -1624,7 +1633,7 @@
           <a:p>
             <a:fld id="{DA53D77D-92F8-4930-BDE5-FCA35DD83265}" type="datetimeFigureOut">
               <a:rPr lang="uk-UA" smtClean="0"/>
-              <a:t>22.07.2019</a:t>
+              <a:t>23.07.2019</a:t>
             </a:fld>
             <a:endParaRPr lang="uk-UA"/>
           </a:p>
@@ -1721,7 +1730,7 @@
           <a:p>
             <a:fld id="{DA53D77D-92F8-4930-BDE5-FCA35DD83265}" type="datetimeFigureOut">
               <a:rPr lang="uk-UA" smtClean="0"/>
-              <a:t>22.07.2019</a:t>
+              <a:t>23.07.2019</a:t>
             </a:fld>
             <a:endParaRPr lang="uk-UA"/>
           </a:p>
@@ -2326,7 +2335,7 @@
           <a:p>
             <a:fld id="{DA53D77D-92F8-4930-BDE5-FCA35DD83265}" type="datetimeFigureOut">
               <a:rPr lang="uk-UA" smtClean="0"/>
-              <a:t>22.07.2019</a:t>
+              <a:t>23.07.2019</a:t>
             </a:fld>
             <a:endParaRPr lang="uk-UA"/>
           </a:p>
@@ -2469,7 +2478,7 @@
           <a:p>
             <a:fld id="{DA53D77D-92F8-4930-BDE5-FCA35DD83265}" type="datetimeFigureOut">
               <a:rPr lang="uk-UA" smtClean="0"/>
-              <a:t>22.07.2019</a:t>
+              <a:t>23.07.2019</a:t>
             </a:fld>
             <a:endParaRPr lang="uk-UA"/>
           </a:p>
@@ -2566,7 +2575,7 @@
           <a:p>
             <a:fld id="{DA53D77D-92F8-4930-BDE5-FCA35DD83265}" type="datetimeFigureOut">
               <a:rPr lang="uk-UA" smtClean="0"/>
-              <a:t>22.07.2019</a:t>
+              <a:t>23.07.2019</a:t>
             </a:fld>
             <a:endParaRPr lang="uk-UA"/>
           </a:p>
@@ -2850,7 +2859,7 @@
           <a:p>
             <a:fld id="{DA53D77D-92F8-4930-BDE5-FCA35DD83265}" type="datetimeFigureOut">
               <a:rPr lang="uk-UA" smtClean="0"/>
-              <a:t>22.07.2019</a:t>
+              <a:t>23.07.2019</a:t>
             </a:fld>
             <a:endParaRPr lang="uk-UA"/>
           </a:p>
@@ -3372,7 +3381,7 @@
           <a:p>
             <a:fld id="{DA53D77D-92F8-4930-BDE5-FCA35DD83265}" type="datetimeFigureOut">
               <a:rPr lang="uk-UA" smtClean="0"/>
-              <a:t>22.07.2019</a:t>
+              <a:t>23.07.2019</a:t>
             </a:fld>
             <a:endParaRPr lang="uk-UA"/>
           </a:p>
@@ -3892,7 +3901,7 @@
           <a:p>
             <a:fld id="{DA53D77D-92F8-4930-BDE5-FCA35DD83265}" type="datetimeFigureOut">
               <a:rPr lang="uk-UA" smtClean="0"/>
-              <a:t>22.07.2019</a:t>
+              <a:t>23.07.2019</a:t>
             </a:fld>
             <a:endParaRPr lang="uk-UA"/>
           </a:p>
@@ -4473,8 +4482,8 @@
         </p:nvSpPr>
         <p:spPr>
           <a:xfrm>
-            <a:off x="971600" y="980728"/>
-            <a:ext cx="7488832" cy="4680520"/>
+            <a:off x="1023219" y="116632"/>
+            <a:ext cx="7437213" cy="2304256"/>
           </a:xfrm>
         </p:spPr>
         <p:txBody>
@@ -4524,6 +4533,65 @@
                 <a:schemeClr val="tx1"/>
               </a:solidFill>
             </a:endParaRPr>
+          </a:p>
+        </p:txBody>
+      </p:sp>
+      <p:pic>
+        <p:nvPicPr>
+          <p:cNvPr id="3" name="Рисунок 2"/>
+          <p:cNvPicPr>
+            <a:picLocks noChangeAspect="1"/>
+          </p:cNvPicPr>
+          <p:nvPr/>
+        </p:nvPicPr>
+        <p:blipFill>
+          <a:blip r:embed="rId2">
+            <a:extLst>
+              <a:ext uri="{28A0092B-C50C-407E-A947-70E740481C1C}">
+                <a14:useLocalDpi xmlns:a14="http://schemas.microsoft.com/office/drawing/2010/main" val="0"/>
+              </a:ext>
+            </a:extLst>
+          </a:blip>
+          <a:stretch>
+            <a:fillRect/>
+          </a:stretch>
+        </p:blipFill>
+        <p:spPr>
+          <a:xfrm>
+            <a:off x="827583" y="2492896"/>
+            <a:ext cx="8111265" cy="2965916"/>
+          </a:xfrm>
+          <a:prstGeom prst="rect">
+            <a:avLst/>
+          </a:prstGeom>
+        </p:spPr>
+      </p:pic>
+      <p:sp>
+        <p:nvSpPr>
+          <p:cNvPr id="4" name="Прямоугольник 3"/>
+          <p:cNvSpPr/>
+          <p:nvPr/>
+        </p:nvSpPr>
+        <p:spPr>
+          <a:xfrm>
+            <a:off x="6876256" y="5661248"/>
+            <a:ext cx="2062592" cy="369332"/>
+          </a:xfrm>
+          <a:prstGeom prst="rect">
+            <a:avLst/>
+          </a:prstGeom>
+        </p:spPr>
+        <p:txBody>
+          <a:bodyPr wrap="square">
+            <a:spAutoFit/>
+          </a:bodyPr>
+          <a:lstStyle/>
+          <a:p>
+            <a:r>
+              <a:rPr lang="en-US" dirty="0" err="1" smtClean="0"/>
+              <a:t>Olga_Rymarchuk</a:t>
+            </a:r>
+            <a:endParaRPr lang="uk-UA" dirty="0"/>
           </a:p>
         </p:txBody>
       </p:sp>
@@ -4540,7 +4608,7 @@
 </p:sld>
 </file>
 
-<file path=ppt/slides/slide2.xml><?xml version="1.0" encoding="utf-8"?>
+<file path=ppt/slides/slide10.xml><?xml version="1.0" encoding="utf-8"?>
 <p:sld xmlns:a="http://schemas.openxmlformats.org/drawingml/2006/main" xmlns:r="http://schemas.openxmlformats.org/officeDocument/2006/relationships" xmlns:p="http://schemas.openxmlformats.org/presentationml/2006/main">
   <p:cSld>
     <p:spTree>
@@ -4559,77 +4627,191 @@
       </p:grpSpPr>
       <p:sp>
         <p:nvSpPr>
-          <p:cNvPr id="3" name="Объект 2"/>
-          <p:cNvSpPr>
-            <a:spLocks noGrp="1"/>
-          </p:cNvSpPr>
-          <p:nvPr>
-            <p:ph sz="quarter" idx="13"/>
-          </p:nvPr>
-        </p:nvSpPr>
-        <p:spPr>
-          <a:xfrm>
-            <a:off x="1143000" y="731520"/>
-            <a:ext cx="7533456" cy="5505792"/>
-          </a:xfrm>
-        </p:spPr>
-        <p:txBody>
-          <a:bodyPr>
-            <a:normAutofit/>
+          <p:cNvPr id="2" name="Заголовок 1"/>
+          <p:cNvSpPr>
+            <a:spLocks noGrp="1"/>
+          </p:cNvSpPr>
+          <p:nvPr>
+            <p:ph type="title"/>
+          </p:nvPr>
+        </p:nvSpPr>
+        <p:spPr>
+          <a:xfrm>
+            <a:off x="971600" y="188640"/>
+            <a:ext cx="6912768" cy="1296144"/>
+          </a:xfrm>
+        </p:spPr>
+        <p:txBody>
+          <a:bodyPr/>
+          <a:lstStyle/>
+          <a:p>
+            <a:pPr marL="0" indent="0" algn="ctr">
+              <a:buNone/>
+            </a:pPr>
+            <a:r>
+              <a:rPr lang="en-US" sz="3600" dirty="0" smtClean="0"/>
+              <a:t>Spiral Model Strength and Weaknesses</a:t>
+            </a:r>
+            <a:endParaRPr lang="uk-UA" sz="3600" dirty="0"/>
+          </a:p>
+        </p:txBody>
+      </p:sp>
+      <p:sp>
+        <p:nvSpPr>
+          <p:cNvPr id="3" name="Прямоугольник 2"/>
+          <p:cNvSpPr/>
+          <p:nvPr/>
+        </p:nvSpPr>
+        <p:spPr>
+          <a:xfrm>
+            <a:off x="323528" y="1700808"/>
+            <a:ext cx="4320480" cy="3139321"/>
+          </a:xfrm>
+          <a:prstGeom prst="rect">
+            <a:avLst/>
+          </a:prstGeom>
+        </p:spPr>
+        <p:txBody>
+          <a:bodyPr wrap="square">
+            <a:spAutoFit/>
           </a:bodyPr>
           <a:lstStyle/>
           <a:p>
-            <a:pPr marL="45720" indent="0" algn="ctr">
-              <a:buNone/>
-            </a:pPr>
-            <a:r>
-              <a:rPr lang="en-US" sz="4800" b="1" dirty="0"/>
-              <a:t>Types of </a:t>
-            </a:r>
-            <a:r>
-              <a:rPr lang="en-US" sz="4800" b="1" dirty="0" smtClean="0"/>
-              <a:t>SDLC models</a:t>
-            </a:r>
-            <a:endParaRPr lang="en-US" sz="4800" b="1" dirty="0"/>
-          </a:p>
-          <a:p>
-            <a:pPr marL="45720" indent="0" algn="ctr">
-              <a:buNone/>
-            </a:pPr>
-            <a:endParaRPr lang="en-US" sz="4800" b="1" dirty="0"/>
-          </a:p>
-          <a:p>
-            <a:r>
-              <a:rPr lang="en-US" sz="4800" b="1" dirty="0"/>
-              <a:t>Cascade model</a:t>
-            </a:r>
-          </a:p>
-          <a:p>
-            <a:r>
-              <a:rPr lang="en-US" sz="4800" b="1" dirty="0"/>
-              <a:t>Iterative model</a:t>
-            </a:r>
-          </a:p>
-          <a:p>
-            <a:r>
-              <a:rPr lang="en-US" sz="4800" b="1" dirty="0" smtClean="0"/>
-              <a:t>Spiral model</a:t>
-            </a:r>
-            <a:endParaRPr lang="en-US" sz="4800" b="1" dirty="0"/>
-          </a:p>
-          <a:p>
-            <a:r>
-              <a:rPr lang="en-US" sz="4800" b="1" dirty="0"/>
-              <a:t>V-model</a:t>
-            </a:r>
-            <a:endParaRPr lang="uk-UA" sz="4000" dirty="0"/>
-          </a:p>
-        </p:txBody>
-      </p:sp>
+            <a:r>
+              <a:rPr lang="en-US" dirty="0" smtClean="0"/>
+              <a:t>Strengths</a:t>
+            </a:r>
+          </a:p>
+          <a:p>
+            <a:r>
+              <a:rPr lang="en-US" dirty="0" smtClean="0"/>
+              <a:t>– </a:t>
+            </a:r>
+            <a:r>
+              <a:rPr lang="en-US" dirty="0"/>
+              <a:t>Introduces risk management </a:t>
+            </a:r>
+          </a:p>
+          <a:p>
+            <a:r>
+              <a:rPr lang="en-US" dirty="0" smtClean="0"/>
+              <a:t>– </a:t>
+            </a:r>
+            <a:r>
+              <a:rPr lang="en-US" dirty="0"/>
+              <a:t>Prototyping controls </a:t>
+            </a:r>
+            <a:r>
+              <a:rPr lang="en-US" dirty="0" smtClean="0"/>
+              <a:t>costs</a:t>
+            </a:r>
+          </a:p>
+          <a:p>
+            <a:r>
+              <a:rPr lang="en-US" dirty="0" smtClean="0"/>
+              <a:t>– </a:t>
+            </a:r>
+            <a:r>
+              <a:rPr lang="en-US" dirty="0"/>
+              <a:t>Evolutionary development </a:t>
+            </a:r>
+            <a:endParaRPr lang="en-US" dirty="0" smtClean="0"/>
+          </a:p>
+          <a:p>
+            <a:r>
+              <a:rPr lang="en-US" dirty="0" smtClean="0"/>
+              <a:t>– </a:t>
+            </a:r>
+            <a:r>
+              <a:rPr lang="en-US" dirty="0"/>
+              <a:t>Release builds for beta testing </a:t>
+            </a:r>
+            <a:endParaRPr lang="en-US" dirty="0" smtClean="0"/>
+          </a:p>
+          <a:p>
+            <a:endParaRPr lang="en-US" dirty="0" smtClean="0"/>
+          </a:p>
+          <a:p>
+            <a:r>
+              <a:rPr lang="en-US" dirty="0" smtClean="0"/>
+              <a:t>Weaknesses </a:t>
+            </a:r>
+          </a:p>
+          <a:p>
+            <a:r>
+              <a:rPr lang="en-US" dirty="0" smtClean="0"/>
+              <a:t>– </a:t>
+            </a:r>
+            <a:r>
+              <a:rPr lang="en-US" dirty="0"/>
+              <a:t>Lack of risk management </a:t>
+            </a:r>
+            <a:r>
+              <a:rPr lang="en-US" dirty="0" smtClean="0"/>
+              <a:t>experience</a:t>
+            </a:r>
+          </a:p>
+          <a:p>
+            <a:r>
+              <a:rPr lang="en-US" dirty="0" smtClean="0"/>
+              <a:t>– </a:t>
+            </a:r>
+            <a:r>
+              <a:rPr lang="en-US" dirty="0"/>
+              <a:t>Lack of milestones </a:t>
+            </a:r>
+            <a:endParaRPr lang="en-US" dirty="0" smtClean="0"/>
+          </a:p>
+          <a:p>
+            <a:r>
+              <a:rPr lang="en-US" dirty="0" smtClean="0"/>
+              <a:t>– </a:t>
+            </a:r>
+            <a:r>
+              <a:rPr lang="en-US" dirty="0"/>
+              <a:t>Management is dubious of spiral process – Change in </a:t>
+            </a:r>
+            <a:r>
+              <a:rPr lang="en-US" dirty="0" smtClean="0"/>
+              <a:t>Management</a:t>
+            </a:r>
+          </a:p>
+        </p:txBody>
+      </p:sp>
+      <p:pic>
+        <p:nvPicPr>
+          <p:cNvPr id="4" name="Рисунок 3"/>
+          <p:cNvPicPr>
+            <a:picLocks noChangeAspect="1"/>
+          </p:cNvPicPr>
+          <p:nvPr/>
+        </p:nvPicPr>
+        <p:blipFill>
+          <a:blip r:embed="rId2">
+            <a:extLst>
+              <a:ext uri="{28A0092B-C50C-407E-A947-70E740481C1C}">
+                <a14:useLocalDpi xmlns:a14="http://schemas.microsoft.com/office/drawing/2010/main" val="0"/>
+              </a:ext>
+            </a:extLst>
+          </a:blip>
+          <a:stretch>
+            <a:fillRect/>
+          </a:stretch>
+        </p:blipFill>
+        <p:spPr>
+          <a:xfrm>
+            <a:off x="4644008" y="1844824"/>
+            <a:ext cx="4064452" cy="3168352"/>
+          </a:xfrm>
+          <a:prstGeom prst="rect">
+            <a:avLst/>
+          </a:prstGeom>
+        </p:spPr>
+      </p:pic>
     </p:spTree>
     <p:extLst>
       <p:ext uri="{BB962C8B-B14F-4D97-AF65-F5344CB8AC3E}">
-        <p14:creationId xmlns:p14="http://schemas.microsoft.com/office/powerpoint/2010/main" val="2992514699"/>
+        <p14:creationId xmlns:p14="http://schemas.microsoft.com/office/powerpoint/2010/main" val="655836206"/>
       </p:ext>
     </p:extLst>
   </p:cSld>
@@ -4639,7 +4821,7 @@
 </p:sld>
 </file>
 
-<file path=ppt/slides/slide3.xml><?xml version="1.0" encoding="utf-8"?>
+<file path=ppt/slides/slide11.xml><?xml version="1.0" encoding="utf-8"?>
 <p:sld xmlns:a="http://schemas.openxmlformats.org/drawingml/2006/main" xmlns:r="http://schemas.openxmlformats.org/officeDocument/2006/relationships" xmlns:p="http://schemas.openxmlformats.org/presentationml/2006/main">
   <p:cSld>
     <p:spTree>
@@ -4658,98 +4840,77 @@
       </p:grpSpPr>
       <p:sp>
         <p:nvSpPr>
-          <p:cNvPr id="3" name="Объект 2"/>
-          <p:cNvSpPr>
-            <a:spLocks noGrp="1"/>
-          </p:cNvSpPr>
-          <p:nvPr>
-            <p:ph sz="quarter" idx="13"/>
-          </p:nvPr>
-        </p:nvSpPr>
-        <p:spPr>
-          <a:xfrm>
-            <a:off x="467544" y="404664"/>
-            <a:ext cx="8136904" cy="6048672"/>
-          </a:xfrm>
-        </p:spPr>
-        <p:txBody>
-          <a:bodyPr>
-            <a:normAutofit/>
-          </a:bodyPr>
-          <a:lstStyle/>
-          <a:p>
-            <a:pPr marL="45720" indent="0" algn="just">
+          <p:cNvPr id="2" name="Заголовок 1"/>
+          <p:cNvSpPr>
+            <a:spLocks noGrp="1"/>
+          </p:cNvSpPr>
+          <p:nvPr>
+            <p:ph type="title"/>
+          </p:nvPr>
+        </p:nvSpPr>
+        <p:spPr>
+          <a:xfrm>
+            <a:off x="1259632" y="404664"/>
+            <a:ext cx="6512511" cy="1143000"/>
+          </a:xfrm>
+        </p:spPr>
+        <p:txBody>
+          <a:bodyPr/>
+          <a:lstStyle/>
+          <a:p>
+            <a:pPr marL="0" indent="0" algn="ctr">
               <a:buNone/>
             </a:pPr>
             <a:r>
-              <a:rPr lang="en-US" sz="2800" b="1" dirty="0"/>
-              <a:t>Despite the differences, all models contain the following general phases of the life cycle</a:t>
-            </a:r>
-            <a:r>
-              <a:rPr lang="en-US" sz="2800" b="1" dirty="0" smtClean="0"/>
-              <a:t>:</a:t>
-            </a:r>
-          </a:p>
-          <a:p>
-            <a:pPr algn="just"/>
-            <a:r>
-              <a:rPr lang="ru-RU" sz="2800" dirty="0" smtClean="0"/>
-              <a:t> </a:t>
-            </a:r>
-            <a:r>
-              <a:rPr lang="en-US" sz="2800" dirty="0"/>
-              <a:t>collection and analysis of software requirements;</a:t>
-            </a:r>
-          </a:p>
-          <a:p>
-            <a:pPr algn="just"/>
-            <a:r>
-              <a:rPr lang="en-US" sz="2800" dirty="0"/>
-              <a:t>  architecture design;</a:t>
-            </a:r>
-          </a:p>
-          <a:p>
-            <a:pPr algn="just"/>
-            <a:r>
-              <a:rPr lang="en-US" sz="2800" dirty="0"/>
-              <a:t>  detailed design;</a:t>
-            </a:r>
-          </a:p>
-          <a:p>
-            <a:pPr algn="just"/>
-            <a:r>
-              <a:rPr lang="en-US" sz="2800" dirty="0"/>
-              <a:t>  implementation;</a:t>
-            </a:r>
-          </a:p>
-          <a:p>
-            <a:pPr algn="just"/>
-            <a:r>
-              <a:rPr lang="en-US" sz="2800" dirty="0"/>
-              <a:t>  testing and integration;</a:t>
-            </a:r>
-          </a:p>
-          <a:p>
-            <a:pPr algn="just"/>
-            <a:r>
-              <a:rPr lang="en-US" sz="2800" dirty="0"/>
-              <a:t>  accompaniment;</a:t>
-            </a:r>
-          </a:p>
-          <a:p>
-            <a:pPr algn="just"/>
-            <a:r>
-              <a:rPr lang="en-US" sz="2800" dirty="0"/>
-              <a:t>  removal from service</a:t>
-            </a:r>
-            <a:endParaRPr lang="ru-RU" sz="2800" dirty="0" smtClean="0"/>
-          </a:p>
-        </p:txBody>
-      </p:sp>
+              <a:rPr lang="en-US" sz="4400" dirty="0" smtClean="0"/>
+              <a:t>Agile </a:t>
+            </a:r>
+            <a:r>
+              <a:rPr lang="en-US" dirty="0" smtClean="0"/>
+              <a:t>SDLC </a:t>
+            </a:r>
+            <a:r>
+              <a:rPr lang="en-US" dirty="0"/>
+              <a:t>Model</a:t>
+            </a:r>
+            <a:endParaRPr lang="uk-UA" dirty="0"/>
+          </a:p>
+        </p:txBody>
+      </p:sp>
+      <p:pic>
+        <p:nvPicPr>
+          <p:cNvPr id="5" name="Рисунок 4"/>
+          <p:cNvPicPr>
+            <a:picLocks noChangeAspect="1"/>
+          </p:cNvPicPr>
+          <p:nvPr/>
+        </p:nvPicPr>
+        <p:blipFill>
+          <a:blip r:embed="rId2">
+            <a:extLst>
+              <a:ext uri="{28A0092B-C50C-407E-A947-70E740481C1C}">
+                <a14:useLocalDpi xmlns:a14="http://schemas.microsoft.com/office/drawing/2010/main" val="0"/>
+              </a:ext>
+            </a:extLst>
+          </a:blip>
+          <a:stretch>
+            <a:fillRect/>
+          </a:stretch>
+        </p:blipFill>
+        <p:spPr>
+          <a:xfrm>
+            <a:off x="1187624" y="1484784"/>
+            <a:ext cx="6512215" cy="4592119"/>
+          </a:xfrm>
+          <a:prstGeom prst="rect">
+            <a:avLst/>
+          </a:prstGeom>
+        </p:spPr>
+      </p:pic>
     </p:spTree>
     <p:extLst>
       <p:ext uri="{BB962C8B-B14F-4D97-AF65-F5344CB8AC3E}">
-        <p14:creationId xmlns:p14="http://schemas.microsoft.com/office/powerpoint/2010/main" val="4052531750"/>
+        <p14:creationId xmlns:p14="http://schemas.microsoft.com/office/powerpoint/2010/main" val="1681712024"/>
       </p:ext>
     </p:extLst>
   </p:cSld>
@@ -4759,7 +4920,166 @@
 </p:sld>
 </file>
 
-<file path=ppt/slides/slide4.xml><?xml version="1.0" encoding="utf-8"?>
+<file path=ppt/slides/slide12.xml><?xml version="1.0" encoding="utf-8"?>
+<p:sld xmlns:a="http://schemas.openxmlformats.org/drawingml/2006/main" xmlns:r="http://schemas.openxmlformats.org/officeDocument/2006/relationships" xmlns:p="http://schemas.openxmlformats.org/presentationml/2006/main">
+  <p:cSld>
+    <p:spTree>
+      <p:nvGrpSpPr>
+        <p:cNvPr id="1" name=""/>
+        <p:cNvGrpSpPr/>
+        <p:nvPr/>
+      </p:nvGrpSpPr>
+      <p:grpSpPr>
+        <a:xfrm>
+          <a:off x="0" y="0"/>
+          <a:ext cx="0" cy="0"/>
+          <a:chOff x="0" y="0"/>
+          <a:chExt cx="0" cy="0"/>
+        </a:xfrm>
+      </p:grpSpPr>
+      <p:pic>
+        <p:nvPicPr>
+          <p:cNvPr id="3" name="Рисунок 2"/>
+          <p:cNvPicPr>
+            <a:picLocks noChangeAspect="1"/>
+          </p:cNvPicPr>
+          <p:nvPr/>
+        </p:nvPicPr>
+        <p:blipFill>
+          <a:blip r:embed="rId2" cstate="print">
+            <a:extLst>
+              <a:ext uri="{28A0092B-C50C-407E-A947-70E740481C1C}">
+                <a14:useLocalDpi xmlns:a14="http://schemas.microsoft.com/office/drawing/2010/main" val="0"/>
+              </a:ext>
+            </a:extLst>
+          </a:blip>
+          <a:stretch>
+            <a:fillRect/>
+          </a:stretch>
+        </p:blipFill>
+        <p:spPr>
+          <a:xfrm>
+            <a:off x="4890949" y="4235028"/>
+            <a:ext cx="4048893" cy="2429084"/>
+          </a:xfrm>
+          <a:prstGeom prst="rect">
+            <a:avLst/>
+          </a:prstGeom>
+        </p:spPr>
+      </p:pic>
+      <p:pic>
+        <p:nvPicPr>
+          <p:cNvPr id="5" name="Рисунок 4"/>
+          <p:cNvPicPr>
+            <a:picLocks noChangeAspect="1"/>
+          </p:cNvPicPr>
+          <p:nvPr/>
+        </p:nvPicPr>
+        <p:blipFill>
+          <a:blip r:embed="rId3">
+            <a:extLst>
+              <a:ext uri="{28A0092B-C50C-407E-A947-70E740481C1C}">
+                <a14:useLocalDpi xmlns:a14="http://schemas.microsoft.com/office/drawing/2010/main" val="0"/>
+              </a:ext>
+            </a:extLst>
+          </a:blip>
+          <a:stretch>
+            <a:fillRect/>
+          </a:stretch>
+        </p:blipFill>
+        <p:spPr>
+          <a:xfrm>
+            <a:off x="4868253" y="1747738"/>
+            <a:ext cx="4176463" cy="2480348"/>
+          </a:xfrm>
+          <a:prstGeom prst="rect">
+            <a:avLst/>
+          </a:prstGeom>
+        </p:spPr>
+      </p:pic>
+      <p:pic>
+        <p:nvPicPr>
+          <p:cNvPr id="7" name="Рисунок 6"/>
+          <p:cNvPicPr>
+            <a:picLocks noChangeAspect="1"/>
+          </p:cNvPicPr>
+          <p:nvPr/>
+        </p:nvPicPr>
+        <p:blipFill>
+          <a:blip r:embed="rId4">
+            <a:extLst>
+              <a:ext uri="{28A0092B-C50C-407E-A947-70E740481C1C}">
+                <a14:useLocalDpi xmlns:a14="http://schemas.microsoft.com/office/drawing/2010/main" val="0"/>
+              </a:ext>
+            </a:extLst>
+          </a:blip>
+          <a:stretch>
+            <a:fillRect/>
+          </a:stretch>
+        </p:blipFill>
+        <p:spPr>
+          <a:xfrm>
+            <a:off x="251520" y="2213843"/>
+            <a:ext cx="4552950" cy="4057650"/>
+          </a:xfrm>
+          <a:prstGeom prst="rect">
+            <a:avLst/>
+          </a:prstGeom>
+        </p:spPr>
+      </p:pic>
+      <p:sp>
+        <p:nvSpPr>
+          <p:cNvPr id="8" name="Заголовок 1"/>
+          <p:cNvSpPr>
+            <a:spLocks noGrp="1"/>
+          </p:cNvSpPr>
+          <p:nvPr>
+            <p:ph type="title"/>
+          </p:nvPr>
+        </p:nvSpPr>
+        <p:spPr>
+          <a:xfrm>
+            <a:off x="1259632" y="404664"/>
+            <a:ext cx="6512511" cy="1143000"/>
+          </a:xfrm>
+        </p:spPr>
+        <p:txBody>
+          <a:bodyPr/>
+          <a:lstStyle/>
+          <a:p>
+            <a:pPr marL="0" indent="0" algn="ctr">
+              <a:buNone/>
+            </a:pPr>
+            <a:r>
+              <a:rPr lang="en-US" sz="4400" dirty="0" smtClean="0"/>
+              <a:t>Agile </a:t>
+            </a:r>
+            <a:r>
+              <a:rPr lang="en-US" dirty="0" smtClean="0"/>
+              <a:t>SDLC </a:t>
+            </a:r>
+            <a:r>
+              <a:rPr lang="en-US" dirty="0"/>
+              <a:t>Model</a:t>
+            </a:r>
+            <a:endParaRPr lang="uk-UA" dirty="0"/>
+          </a:p>
+        </p:txBody>
+      </p:sp>
+    </p:spTree>
+    <p:extLst>
+      <p:ext uri="{BB962C8B-B14F-4D97-AF65-F5344CB8AC3E}">
+        <p14:creationId xmlns:p14="http://schemas.microsoft.com/office/powerpoint/2010/main" val="1760190976"/>
+      </p:ext>
+    </p:extLst>
+  </p:cSld>
+  <p:clrMapOvr>
+    <a:masterClrMapping/>
+  </p:clrMapOvr>
+</p:sld>
+</file>
+
+<file path=ppt/slides/slide13.xml><?xml version="1.0" encoding="utf-8"?>
 <p:sld xmlns:a="http://schemas.openxmlformats.org/drawingml/2006/main" xmlns:r="http://schemas.openxmlformats.org/officeDocument/2006/relationships" xmlns:p="http://schemas.openxmlformats.org/presentationml/2006/main">
   <p:cSld>
     <p:spTree>
@@ -5204,6 +5524,1229 @@
 </p:sld>
 </file>
 
+<file path=ppt/slides/slide2.xml><?xml version="1.0" encoding="utf-8"?>
+<p:sld xmlns:a="http://schemas.openxmlformats.org/drawingml/2006/main" xmlns:r="http://schemas.openxmlformats.org/officeDocument/2006/relationships" xmlns:p="http://schemas.openxmlformats.org/presentationml/2006/main">
+  <p:cSld>
+    <p:spTree>
+      <p:nvGrpSpPr>
+        <p:cNvPr id="1" name=""/>
+        <p:cNvGrpSpPr/>
+        <p:nvPr/>
+      </p:nvGrpSpPr>
+      <p:grpSpPr>
+        <a:xfrm>
+          <a:off x="0" y="0"/>
+          <a:ext cx="0" cy="0"/>
+          <a:chOff x="0" y="0"/>
+          <a:chExt cx="0" cy="0"/>
+        </a:xfrm>
+      </p:grpSpPr>
+      <p:sp>
+        <p:nvSpPr>
+          <p:cNvPr id="3" name="Объект 2"/>
+          <p:cNvSpPr>
+            <a:spLocks noGrp="1"/>
+          </p:cNvSpPr>
+          <p:nvPr>
+            <p:ph sz="quarter" idx="13"/>
+          </p:nvPr>
+        </p:nvSpPr>
+        <p:spPr>
+          <a:xfrm>
+            <a:off x="1143000" y="731520"/>
+            <a:ext cx="7533456" cy="5505792"/>
+          </a:xfrm>
+        </p:spPr>
+        <p:txBody>
+          <a:bodyPr>
+            <a:normAutofit/>
+          </a:bodyPr>
+          <a:lstStyle/>
+          <a:p>
+            <a:pPr marL="45720" indent="0" algn="ctr">
+              <a:buNone/>
+            </a:pPr>
+            <a:r>
+              <a:rPr lang="en-US" sz="4800" b="1" dirty="0"/>
+              <a:t>Types of </a:t>
+            </a:r>
+            <a:r>
+              <a:rPr lang="en-US" sz="4800" b="1" dirty="0" smtClean="0"/>
+              <a:t>SDLC models</a:t>
+            </a:r>
+            <a:endParaRPr lang="en-US" sz="4800" b="1" dirty="0"/>
+          </a:p>
+          <a:p>
+            <a:pPr marL="45720" indent="0" algn="ctr">
+              <a:buNone/>
+            </a:pPr>
+            <a:endParaRPr lang="en-US" sz="4800" b="1" dirty="0"/>
+          </a:p>
+          <a:p>
+            <a:r>
+              <a:rPr lang="en-US" sz="4800" b="1" dirty="0" smtClean="0"/>
+              <a:t>Waterfall </a:t>
+            </a:r>
+            <a:r>
+              <a:rPr lang="en-US" sz="4800" b="1" dirty="0"/>
+              <a:t>model</a:t>
+            </a:r>
+          </a:p>
+          <a:p>
+            <a:r>
+              <a:rPr lang="en-US" sz="4800" b="1" dirty="0"/>
+              <a:t>Iterative model</a:t>
+            </a:r>
+          </a:p>
+          <a:p>
+            <a:r>
+              <a:rPr lang="en-US" sz="4800" b="1" dirty="0" smtClean="0"/>
+              <a:t>Spiral model</a:t>
+            </a:r>
+            <a:endParaRPr lang="en-US" sz="4800" b="1" dirty="0"/>
+          </a:p>
+          <a:p>
+            <a:r>
+              <a:rPr lang="en-US" sz="4800" b="1" dirty="0"/>
+              <a:t>V-model</a:t>
+            </a:r>
+            <a:endParaRPr lang="uk-UA" sz="4000" dirty="0"/>
+          </a:p>
+        </p:txBody>
+      </p:sp>
+    </p:spTree>
+    <p:extLst>
+      <p:ext uri="{BB962C8B-B14F-4D97-AF65-F5344CB8AC3E}">
+        <p14:creationId xmlns:p14="http://schemas.microsoft.com/office/powerpoint/2010/main" val="2992514699"/>
+      </p:ext>
+    </p:extLst>
+  </p:cSld>
+  <p:clrMapOvr>
+    <a:masterClrMapping/>
+  </p:clrMapOvr>
+</p:sld>
+</file>
+
+<file path=ppt/slides/slide3.xml><?xml version="1.0" encoding="utf-8"?>
+<p:sld xmlns:a="http://schemas.openxmlformats.org/drawingml/2006/main" xmlns:r="http://schemas.openxmlformats.org/officeDocument/2006/relationships" xmlns:p="http://schemas.openxmlformats.org/presentationml/2006/main">
+  <p:cSld>
+    <p:spTree>
+      <p:nvGrpSpPr>
+        <p:cNvPr id="1" name=""/>
+        <p:cNvGrpSpPr/>
+        <p:nvPr/>
+      </p:nvGrpSpPr>
+      <p:grpSpPr>
+        <a:xfrm>
+          <a:off x="0" y="0"/>
+          <a:ext cx="0" cy="0"/>
+          <a:chOff x="0" y="0"/>
+          <a:chExt cx="0" cy="0"/>
+        </a:xfrm>
+      </p:grpSpPr>
+      <p:sp>
+        <p:nvSpPr>
+          <p:cNvPr id="3" name="Объект 2"/>
+          <p:cNvSpPr>
+            <a:spLocks noGrp="1"/>
+          </p:cNvSpPr>
+          <p:nvPr>
+            <p:ph sz="quarter" idx="13"/>
+          </p:nvPr>
+        </p:nvSpPr>
+        <p:spPr>
+          <a:xfrm>
+            <a:off x="467544" y="404664"/>
+            <a:ext cx="8136904" cy="6048672"/>
+          </a:xfrm>
+        </p:spPr>
+        <p:txBody>
+          <a:bodyPr>
+            <a:normAutofit/>
+          </a:bodyPr>
+          <a:lstStyle/>
+          <a:p>
+            <a:pPr marL="45720" indent="0" algn="just">
+              <a:buNone/>
+            </a:pPr>
+            <a:r>
+              <a:rPr lang="en-US" sz="2800" b="1" dirty="0"/>
+              <a:t>Despite the differences, all models contain the following general phases of the life cycle</a:t>
+            </a:r>
+            <a:r>
+              <a:rPr lang="en-US" sz="2800" b="1" dirty="0" smtClean="0"/>
+              <a:t>:</a:t>
+            </a:r>
+          </a:p>
+          <a:p>
+            <a:pPr algn="just"/>
+            <a:r>
+              <a:rPr lang="ru-RU" sz="2800" dirty="0" smtClean="0"/>
+              <a:t> </a:t>
+            </a:r>
+            <a:r>
+              <a:rPr lang="en-US" sz="2800" dirty="0"/>
+              <a:t>collection and analysis of software requirements;</a:t>
+            </a:r>
+          </a:p>
+          <a:p>
+            <a:pPr algn="just"/>
+            <a:r>
+              <a:rPr lang="en-US" sz="2800" dirty="0"/>
+              <a:t>  architecture design;</a:t>
+            </a:r>
+          </a:p>
+          <a:p>
+            <a:pPr algn="just"/>
+            <a:r>
+              <a:rPr lang="en-US" sz="2800" dirty="0"/>
+              <a:t>  detailed design;</a:t>
+            </a:r>
+          </a:p>
+          <a:p>
+            <a:pPr algn="just"/>
+            <a:r>
+              <a:rPr lang="en-US" sz="2800" dirty="0"/>
+              <a:t>  implementation;</a:t>
+            </a:r>
+          </a:p>
+          <a:p>
+            <a:pPr algn="just"/>
+            <a:r>
+              <a:rPr lang="en-US" sz="2800" dirty="0"/>
+              <a:t>  testing and integration;</a:t>
+            </a:r>
+          </a:p>
+          <a:p>
+            <a:pPr algn="just"/>
+            <a:r>
+              <a:rPr lang="en-US" sz="2800" dirty="0"/>
+              <a:t>  accompaniment;</a:t>
+            </a:r>
+          </a:p>
+          <a:p>
+            <a:pPr algn="just"/>
+            <a:r>
+              <a:rPr lang="en-US" sz="2800" dirty="0"/>
+              <a:t>  removal from service</a:t>
+            </a:r>
+            <a:endParaRPr lang="ru-RU" sz="2800" dirty="0" smtClean="0"/>
+          </a:p>
+        </p:txBody>
+      </p:sp>
+      <p:pic>
+        <p:nvPicPr>
+          <p:cNvPr id="4" name="Рисунок 3"/>
+          <p:cNvPicPr>
+            <a:picLocks noChangeAspect="1"/>
+          </p:cNvPicPr>
+          <p:nvPr/>
+        </p:nvPicPr>
+        <p:blipFill>
+          <a:blip r:embed="rId2">
+            <a:extLst>
+              <a:ext uri="{28A0092B-C50C-407E-A947-70E740481C1C}">
+                <a14:useLocalDpi xmlns:a14="http://schemas.microsoft.com/office/drawing/2010/main" val="0"/>
+              </a:ext>
+            </a:extLst>
+          </a:blip>
+          <a:stretch>
+            <a:fillRect/>
+          </a:stretch>
+        </p:blipFill>
+        <p:spPr>
+          <a:xfrm>
+            <a:off x="4860031" y="2492896"/>
+            <a:ext cx="4048599" cy="2952328"/>
+          </a:xfrm>
+          <a:prstGeom prst="rect">
+            <a:avLst/>
+          </a:prstGeom>
+        </p:spPr>
+      </p:pic>
+    </p:spTree>
+    <p:extLst>
+      <p:ext uri="{BB962C8B-B14F-4D97-AF65-F5344CB8AC3E}">
+        <p14:creationId xmlns:p14="http://schemas.microsoft.com/office/powerpoint/2010/main" val="4052531750"/>
+      </p:ext>
+    </p:extLst>
+  </p:cSld>
+  <p:clrMapOvr>
+    <a:masterClrMapping/>
+  </p:clrMapOvr>
+</p:sld>
+</file>
+
+<file path=ppt/slides/slide4.xml><?xml version="1.0" encoding="utf-8"?>
+<p:sld xmlns:a="http://schemas.openxmlformats.org/drawingml/2006/main" xmlns:r="http://schemas.openxmlformats.org/officeDocument/2006/relationships" xmlns:p="http://schemas.openxmlformats.org/presentationml/2006/main">
+  <p:cSld>
+    <p:spTree>
+      <p:nvGrpSpPr>
+        <p:cNvPr id="1" name=""/>
+        <p:cNvGrpSpPr/>
+        <p:nvPr/>
+      </p:nvGrpSpPr>
+      <p:grpSpPr>
+        <a:xfrm>
+          <a:off x="0" y="0"/>
+          <a:ext cx="0" cy="0"/>
+          <a:chOff x="0" y="0"/>
+          <a:chExt cx="0" cy="0"/>
+        </a:xfrm>
+      </p:grpSpPr>
+      <p:sp>
+        <p:nvSpPr>
+          <p:cNvPr id="2" name="Заголовок 1"/>
+          <p:cNvSpPr>
+            <a:spLocks noGrp="1"/>
+          </p:cNvSpPr>
+          <p:nvPr>
+            <p:ph type="title"/>
+          </p:nvPr>
+        </p:nvSpPr>
+        <p:spPr>
+          <a:xfrm>
+            <a:off x="1187624" y="188640"/>
+            <a:ext cx="6512511" cy="1143000"/>
+          </a:xfrm>
+        </p:spPr>
+        <p:txBody>
+          <a:bodyPr/>
+          <a:lstStyle/>
+          <a:p>
+            <a:pPr marL="0" indent="0" algn="ctr">
+              <a:buNone/>
+            </a:pPr>
+            <a:r>
+              <a:rPr lang="en-US" dirty="0" smtClean="0"/>
+              <a:t>Waterfall Model</a:t>
+            </a:r>
+            <a:endParaRPr lang="uk-UA" dirty="0"/>
+          </a:p>
+        </p:txBody>
+      </p:sp>
+      <p:pic>
+        <p:nvPicPr>
+          <p:cNvPr id="3" name="Picture 11" descr="Waterfall SDLC"/>
+          <p:cNvPicPr>
+            <a:picLocks noChangeAspect="1" noChangeArrowheads="1"/>
+          </p:cNvPicPr>
+          <p:nvPr/>
+        </p:nvPicPr>
+        <p:blipFill>
+          <a:blip r:embed="rId2"/>
+          <a:srcRect/>
+          <a:stretch>
+            <a:fillRect/>
+          </a:stretch>
+        </p:blipFill>
+        <p:spPr>
+          <a:xfrm>
+            <a:off x="1905000" y="1524000"/>
+            <a:ext cx="5867400" cy="4572000"/>
+          </a:xfrm>
+          <a:prstGeom prst="rect">
+            <a:avLst/>
+          </a:prstGeom>
+          <a:noFill/>
+          <a:ln/>
+        </p:spPr>
+      </p:pic>
+    </p:spTree>
+    <p:extLst>
+      <p:ext uri="{BB962C8B-B14F-4D97-AF65-F5344CB8AC3E}">
+        <p14:creationId xmlns:p14="http://schemas.microsoft.com/office/powerpoint/2010/main" val="803200441"/>
+      </p:ext>
+    </p:extLst>
+  </p:cSld>
+  <p:clrMapOvr>
+    <a:masterClrMapping/>
+  </p:clrMapOvr>
+</p:sld>
+</file>
+
+<file path=ppt/slides/slide5.xml><?xml version="1.0" encoding="utf-8"?>
+<p:sld xmlns:a="http://schemas.openxmlformats.org/drawingml/2006/main" xmlns:r="http://schemas.openxmlformats.org/officeDocument/2006/relationships" xmlns:p="http://schemas.openxmlformats.org/presentationml/2006/main">
+  <p:cSld>
+    <p:spTree>
+      <p:nvGrpSpPr>
+        <p:cNvPr id="1" name=""/>
+        <p:cNvGrpSpPr/>
+        <p:nvPr/>
+      </p:nvGrpSpPr>
+      <p:grpSpPr>
+        <a:xfrm>
+          <a:off x="0" y="0"/>
+          <a:ext cx="0" cy="0"/>
+          <a:chOff x="0" y="0"/>
+          <a:chExt cx="0" cy="0"/>
+        </a:xfrm>
+      </p:grpSpPr>
+      <p:sp>
+        <p:nvSpPr>
+          <p:cNvPr id="2" name="Заголовок 1"/>
+          <p:cNvSpPr>
+            <a:spLocks noGrp="1"/>
+          </p:cNvSpPr>
+          <p:nvPr>
+            <p:ph type="title"/>
+          </p:nvPr>
+        </p:nvSpPr>
+        <p:spPr>
+          <a:xfrm>
+            <a:off x="467544" y="188640"/>
+            <a:ext cx="8208912" cy="1143000"/>
+          </a:xfrm>
+        </p:spPr>
+        <p:txBody>
+          <a:bodyPr/>
+          <a:lstStyle/>
+          <a:p>
+            <a:pPr marL="0" indent="0" algn="ctr">
+              <a:buNone/>
+            </a:pPr>
+            <a:r>
+              <a:rPr lang="en-US" dirty="0" smtClean="0"/>
+              <a:t>Waterfall Strengths</a:t>
+            </a:r>
+            <a:endParaRPr lang="uk-UA" dirty="0"/>
+          </a:p>
+        </p:txBody>
+      </p:sp>
+      <p:sp>
+        <p:nvSpPr>
+          <p:cNvPr id="3" name="TextBox 2"/>
+          <p:cNvSpPr txBox="1"/>
+          <p:nvPr/>
+        </p:nvSpPr>
+        <p:spPr>
+          <a:xfrm>
+            <a:off x="777342" y="1249791"/>
+            <a:ext cx="7344816" cy="2523768"/>
+          </a:xfrm>
+          <a:prstGeom prst="rect">
+            <a:avLst/>
+          </a:prstGeom>
+          <a:noFill/>
+        </p:spPr>
+        <p:txBody>
+          <a:bodyPr wrap="square" rtlCol="0">
+            <a:spAutoFit/>
+          </a:bodyPr>
+          <a:lstStyle/>
+          <a:p>
+            <a:pPr marL="285750" indent="-285750">
+              <a:buFont typeface="Arial" pitchFamily="34" charset="0"/>
+              <a:buChar char="•"/>
+            </a:pPr>
+            <a:r>
+              <a:rPr lang="en-US" sz="2800" dirty="0"/>
+              <a:t>Easy to understand, easy to </a:t>
+            </a:r>
+            <a:r>
+              <a:rPr lang="en-US" sz="2800" dirty="0" smtClean="0"/>
+              <a:t>use</a:t>
+            </a:r>
+          </a:p>
+          <a:p>
+            <a:pPr marL="285750" indent="-285750">
+              <a:buFont typeface="Arial" pitchFamily="34" charset="0"/>
+              <a:buChar char="•"/>
+            </a:pPr>
+            <a:r>
+              <a:rPr lang="en-US" sz="2800" dirty="0" smtClean="0"/>
+              <a:t>Provides </a:t>
+            </a:r>
+            <a:r>
+              <a:rPr lang="en-US" sz="2800" dirty="0"/>
+              <a:t>structure to inexperienced </a:t>
+            </a:r>
+            <a:r>
+              <a:rPr lang="en-US" sz="2800" dirty="0" smtClean="0"/>
+              <a:t>staff</a:t>
+            </a:r>
+          </a:p>
+          <a:p>
+            <a:pPr marL="285750" indent="-285750">
+              <a:buFont typeface="Arial" pitchFamily="34" charset="0"/>
+              <a:buChar char="•"/>
+            </a:pPr>
+            <a:r>
+              <a:rPr lang="en-US" sz="2800" dirty="0" smtClean="0"/>
+              <a:t>Sets </a:t>
+            </a:r>
+            <a:r>
+              <a:rPr lang="en-US" sz="2800" dirty="0"/>
+              <a:t>requirements </a:t>
+            </a:r>
+            <a:r>
+              <a:rPr lang="en-US" sz="2800" dirty="0" smtClean="0"/>
+              <a:t>stability</a:t>
+            </a:r>
+          </a:p>
+          <a:p>
+            <a:pPr marL="285750" indent="-285750">
+              <a:buFont typeface="Arial" pitchFamily="34" charset="0"/>
+              <a:buChar char="•"/>
+            </a:pPr>
+            <a:r>
+              <a:rPr lang="en-US" sz="2800" dirty="0" smtClean="0"/>
+              <a:t>Works </a:t>
+            </a:r>
+            <a:r>
+              <a:rPr lang="en-US" sz="2800" dirty="0"/>
+              <a:t>well when quality is more important than cost or schedule</a:t>
+            </a:r>
+          </a:p>
+          <a:p>
+            <a:endParaRPr lang="uk-UA" dirty="0"/>
+          </a:p>
+        </p:txBody>
+      </p:sp>
+      <p:pic>
+        <p:nvPicPr>
+          <p:cNvPr id="4" name="Рисунок 3"/>
+          <p:cNvPicPr>
+            <a:picLocks noChangeAspect="1"/>
+          </p:cNvPicPr>
+          <p:nvPr/>
+        </p:nvPicPr>
+        <p:blipFill>
+          <a:blip r:embed="rId2">
+            <a:extLst>
+              <a:ext uri="{28A0092B-C50C-407E-A947-70E740481C1C}">
+                <a14:useLocalDpi xmlns:a14="http://schemas.microsoft.com/office/drawing/2010/main" val="0"/>
+              </a:ext>
+            </a:extLst>
+          </a:blip>
+          <a:stretch>
+            <a:fillRect/>
+          </a:stretch>
+        </p:blipFill>
+        <p:spPr>
+          <a:xfrm>
+            <a:off x="777342" y="3773559"/>
+            <a:ext cx="1851885" cy="1851885"/>
+          </a:xfrm>
+          <a:prstGeom prst="rect">
+            <a:avLst/>
+          </a:prstGeom>
+        </p:spPr>
+      </p:pic>
+      <p:pic>
+        <p:nvPicPr>
+          <p:cNvPr id="5" name="Рисунок 4"/>
+          <p:cNvPicPr>
+            <a:picLocks noChangeAspect="1"/>
+          </p:cNvPicPr>
+          <p:nvPr/>
+        </p:nvPicPr>
+        <p:blipFill>
+          <a:blip r:embed="rId3">
+            <a:extLst>
+              <a:ext uri="{28A0092B-C50C-407E-A947-70E740481C1C}">
+                <a14:useLocalDpi xmlns:a14="http://schemas.microsoft.com/office/drawing/2010/main" val="0"/>
+              </a:ext>
+            </a:extLst>
+          </a:blip>
+          <a:stretch>
+            <a:fillRect/>
+          </a:stretch>
+        </p:blipFill>
+        <p:spPr>
+          <a:xfrm>
+            <a:off x="2629227" y="3462594"/>
+            <a:ext cx="3526949" cy="2473814"/>
+          </a:xfrm>
+          <a:prstGeom prst="rect">
+            <a:avLst/>
+          </a:prstGeom>
+        </p:spPr>
+      </p:pic>
+      <p:pic>
+        <p:nvPicPr>
+          <p:cNvPr id="6" name="Рисунок 5"/>
+          <p:cNvPicPr>
+            <a:picLocks noChangeAspect="1"/>
+          </p:cNvPicPr>
+          <p:nvPr/>
+        </p:nvPicPr>
+        <p:blipFill>
+          <a:blip r:embed="rId4">
+            <a:extLst>
+              <a:ext uri="{28A0092B-C50C-407E-A947-70E740481C1C}">
+                <a14:useLocalDpi xmlns:a14="http://schemas.microsoft.com/office/drawing/2010/main" val="0"/>
+              </a:ext>
+            </a:extLst>
+          </a:blip>
+          <a:stretch>
+            <a:fillRect/>
+          </a:stretch>
+        </p:blipFill>
+        <p:spPr>
+          <a:xfrm>
+            <a:off x="6156176" y="3933056"/>
+            <a:ext cx="2638822" cy="1209675"/>
+          </a:xfrm>
+          <a:prstGeom prst="rect">
+            <a:avLst/>
+          </a:prstGeom>
+        </p:spPr>
+      </p:pic>
+    </p:spTree>
+    <p:extLst>
+      <p:ext uri="{BB962C8B-B14F-4D97-AF65-F5344CB8AC3E}">
+        <p14:creationId xmlns:p14="http://schemas.microsoft.com/office/powerpoint/2010/main" val="2410795240"/>
+      </p:ext>
+    </p:extLst>
+  </p:cSld>
+  <p:clrMapOvr>
+    <a:masterClrMapping/>
+  </p:clrMapOvr>
+</p:sld>
+</file>
+
+<file path=ppt/slides/slide6.xml><?xml version="1.0" encoding="utf-8"?>
+<p:sld xmlns:a="http://schemas.openxmlformats.org/drawingml/2006/main" xmlns:r="http://schemas.openxmlformats.org/officeDocument/2006/relationships" xmlns:p="http://schemas.openxmlformats.org/presentationml/2006/main">
+  <p:cSld>
+    <p:spTree>
+      <p:nvGrpSpPr>
+        <p:cNvPr id="1" name=""/>
+        <p:cNvGrpSpPr/>
+        <p:nvPr/>
+      </p:nvGrpSpPr>
+      <p:grpSpPr>
+        <a:xfrm>
+          <a:off x="0" y="0"/>
+          <a:ext cx="0" cy="0"/>
+          <a:chOff x="0" y="0"/>
+          <a:chExt cx="0" cy="0"/>
+        </a:xfrm>
+      </p:grpSpPr>
+      <p:sp>
+        <p:nvSpPr>
+          <p:cNvPr id="2" name="Заголовок 1"/>
+          <p:cNvSpPr>
+            <a:spLocks noGrp="1"/>
+          </p:cNvSpPr>
+          <p:nvPr>
+            <p:ph type="title"/>
+          </p:nvPr>
+        </p:nvSpPr>
+        <p:spPr>
+          <a:xfrm>
+            <a:off x="1115616" y="188640"/>
+            <a:ext cx="6512511" cy="1143000"/>
+          </a:xfrm>
+        </p:spPr>
+        <p:txBody>
+          <a:bodyPr/>
+          <a:lstStyle/>
+          <a:p>
+            <a:pPr marL="0" indent="0">
+              <a:buNone/>
+            </a:pPr>
+            <a:r>
+              <a:rPr lang="en-US" dirty="0"/>
+              <a:t>Waterfall Deficiencies</a:t>
+            </a:r>
+            <a:endParaRPr lang="uk-UA" dirty="0"/>
+          </a:p>
+        </p:txBody>
+      </p:sp>
+      <p:sp>
+        <p:nvSpPr>
+          <p:cNvPr id="3" name="Прямоугольник 2"/>
+          <p:cNvSpPr/>
+          <p:nvPr/>
+        </p:nvSpPr>
+        <p:spPr>
+          <a:xfrm>
+            <a:off x="611560" y="1484784"/>
+            <a:ext cx="5112568" cy="5133713"/>
+          </a:xfrm>
+          <a:prstGeom prst="rect">
+            <a:avLst/>
+          </a:prstGeom>
+        </p:spPr>
+        <p:txBody>
+          <a:bodyPr wrap="square">
+            <a:spAutoFit/>
+          </a:bodyPr>
+          <a:lstStyle/>
+          <a:p>
+            <a:pPr marL="285750" indent="-285750">
+              <a:lnSpc>
+                <a:spcPct val="90000"/>
+              </a:lnSpc>
+              <a:buFont typeface="Arial" pitchFamily="34" charset="0"/>
+              <a:buChar char="•"/>
+            </a:pPr>
+            <a:r>
+              <a:rPr lang="en-US" sz="2800" dirty="0"/>
+              <a:t>All requirements must be known upfront</a:t>
+            </a:r>
+          </a:p>
+          <a:p>
+            <a:pPr marL="285750" indent="-285750">
+              <a:lnSpc>
+                <a:spcPct val="90000"/>
+              </a:lnSpc>
+              <a:buFont typeface="Arial" pitchFamily="34" charset="0"/>
+              <a:buChar char="•"/>
+            </a:pPr>
+            <a:r>
+              <a:rPr lang="en-US" sz="2800" dirty="0"/>
+              <a:t>Deliverables created for each phase are considered frozen – inhibits flexibility</a:t>
+            </a:r>
+          </a:p>
+          <a:p>
+            <a:pPr marL="285750" indent="-285750">
+              <a:lnSpc>
+                <a:spcPct val="90000"/>
+              </a:lnSpc>
+              <a:buFont typeface="Arial" pitchFamily="34" charset="0"/>
+              <a:buChar char="•"/>
+            </a:pPr>
+            <a:r>
+              <a:rPr lang="en-US" sz="2800" dirty="0" smtClean="0"/>
+              <a:t>Does </a:t>
+            </a:r>
+            <a:r>
+              <a:rPr lang="en-US" sz="2800" dirty="0"/>
+              <a:t>not reflect problem-solving nature of software development – iterations of phases</a:t>
+            </a:r>
+          </a:p>
+          <a:p>
+            <a:pPr marL="285750" indent="-285750">
+              <a:lnSpc>
+                <a:spcPct val="90000"/>
+              </a:lnSpc>
+              <a:buFont typeface="Arial" pitchFamily="34" charset="0"/>
+              <a:buChar char="•"/>
+            </a:pPr>
+            <a:r>
+              <a:rPr lang="en-US" sz="2800" dirty="0" smtClean="0"/>
+              <a:t>Little </a:t>
+            </a:r>
+            <a:r>
+              <a:rPr lang="en-US" sz="2800" dirty="0"/>
+              <a:t>opportunity for customer to preview the system (until it may be too late)</a:t>
+            </a:r>
+          </a:p>
+        </p:txBody>
+      </p:sp>
+      <p:pic>
+        <p:nvPicPr>
+          <p:cNvPr id="6" name="Рисунок 5"/>
+          <p:cNvPicPr>
+            <a:picLocks noChangeAspect="1"/>
+          </p:cNvPicPr>
+          <p:nvPr/>
+        </p:nvPicPr>
+        <p:blipFill>
+          <a:blip r:embed="rId2">
+            <a:extLst>
+              <a:ext uri="{28A0092B-C50C-407E-A947-70E740481C1C}">
+                <a14:useLocalDpi xmlns:a14="http://schemas.microsoft.com/office/drawing/2010/main" val="0"/>
+              </a:ext>
+            </a:extLst>
+          </a:blip>
+          <a:stretch>
+            <a:fillRect/>
+          </a:stretch>
+        </p:blipFill>
+        <p:spPr>
+          <a:xfrm>
+            <a:off x="5580112" y="1455796"/>
+            <a:ext cx="2990850" cy="1533525"/>
+          </a:xfrm>
+          <a:prstGeom prst="rect">
+            <a:avLst/>
+          </a:prstGeom>
+        </p:spPr>
+      </p:pic>
+      <p:pic>
+        <p:nvPicPr>
+          <p:cNvPr id="7" name="Рисунок 6"/>
+          <p:cNvPicPr>
+            <a:picLocks noChangeAspect="1"/>
+          </p:cNvPicPr>
+          <p:nvPr/>
+        </p:nvPicPr>
+        <p:blipFill>
+          <a:blip r:embed="rId3">
+            <a:extLst>
+              <a:ext uri="{28A0092B-C50C-407E-A947-70E740481C1C}">
+                <a14:useLocalDpi xmlns:a14="http://schemas.microsoft.com/office/drawing/2010/main" val="0"/>
+              </a:ext>
+            </a:extLst>
+          </a:blip>
+          <a:stretch>
+            <a:fillRect/>
+          </a:stretch>
+        </p:blipFill>
+        <p:spPr>
+          <a:xfrm>
+            <a:off x="5733822" y="4356776"/>
+            <a:ext cx="3124200" cy="1466850"/>
+          </a:xfrm>
+          <a:prstGeom prst="rect">
+            <a:avLst/>
+          </a:prstGeom>
+        </p:spPr>
+      </p:pic>
+    </p:spTree>
+    <p:extLst>
+      <p:ext uri="{BB962C8B-B14F-4D97-AF65-F5344CB8AC3E}">
+        <p14:creationId xmlns:p14="http://schemas.microsoft.com/office/powerpoint/2010/main" val="3654714263"/>
+      </p:ext>
+    </p:extLst>
+  </p:cSld>
+  <p:clrMapOvr>
+    <a:masterClrMapping/>
+  </p:clrMapOvr>
+</p:sld>
+</file>
+
+<file path=ppt/slides/slide7.xml><?xml version="1.0" encoding="utf-8"?>
+<p:sld xmlns:a="http://schemas.openxmlformats.org/drawingml/2006/main" xmlns:r="http://schemas.openxmlformats.org/officeDocument/2006/relationships" xmlns:p="http://schemas.openxmlformats.org/presentationml/2006/main">
+  <p:cSld>
+    <p:spTree>
+      <p:nvGrpSpPr>
+        <p:cNvPr id="1" name=""/>
+        <p:cNvGrpSpPr/>
+        <p:nvPr/>
+      </p:nvGrpSpPr>
+      <p:grpSpPr>
+        <a:xfrm>
+          <a:off x="0" y="0"/>
+          <a:ext cx="0" cy="0"/>
+          <a:chOff x="0" y="0"/>
+          <a:chExt cx="0" cy="0"/>
+        </a:xfrm>
+      </p:grpSpPr>
+      <p:sp>
+        <p:nvSpPr>
+          <p:cNvPr id="2" name="Заголовок 1"/>
+          <p:cNvSpPr>
+            <a:spLocks noGrp="1"/>
+          </p:cNvSpPr>
+          <p:nvPr>
+            <p:ph type="title"/>
+          </p:nvPr>
+        </p:nvSpPr>
+        <p:spPr>
+          <a:xfrm>
+            <a:off x="1331640" y="188640"/>
+            <a:ext cx="6512511" cy="1143000"/>
+          </a:xfrm>
+        </p:spPr>
+        <p:txBody>
+          <a:bodyPr/>
+          <a:lstStyle/>
+          <a:p>
+            <a:pPr marL="0" indent="0">
+              <a:buNone/>
+            </a:pPr>
+            <a:r>
+              <a:rPr lang="en-US" dirty="0"/>
+              <a:t>V-Shaped SDLC Model</a:t>
+            </a:r>
+            <a:endParaRPr lang="uk-UA" dirty="0"/>
+          </a:p>
+        </p:txBody>
+      </p:sp>
+      <p:pic>
+        <p:nvPicPr>
+          <p:cNvPr id="3" name="Picture 5" descr="VShape SDLC"/>
+          <p:cNvPicPr>
+            <a:picLocks noChangeAspect="1" noChangeArrowheads="1"/>
+          </p:cNvPicPr>
+          <p:nvPr/>
+        </p:nvPicPr>
+        <p:blipFill>
+          <a:blip r:embed="rId2"/>
+          <a:srcRect/>
+          <a:stretch>
+            <a:fillRect/>
+          </a:stretch>
+        </p:blipFill>
+        <p:spPr>
+          <a:xfrm>
+            <a:off x="1547664" y="1186060"/>
+            <a:ext cx="6689873" cy="5214739"/>
+          </a:xfrm>
+          <a:prstGeom prst="rect">
+            <a:avLst/>
+          </a:prstGeom>
+          <a:noFill/>
+          <a:ln/>
+        </p:spPr>
+      </p:pic>
+    </p:spTree>
+    <p:extLst>
+      <p:ext uri="{BB962C8B-B14F-4D97-AF65-F5344CB8AC3E}">
+        <p14:creationId xmlns:p14="http://schemas.microsoft.com/office/powerpoint/2010/main" val="1849549567"/>
+      </p:ext>
+    </p:extLst>
+  </p:cSld>
+  <p:clrMapOvr>
+    <a:masterClrMapping/>
+  </p:clrMapOvr>
+</p:sld>
+</file>
+
+<file path=ppt/slides/slide8.xml><?xml version="1.0" encoding="utf-8"?>
+<p:sld xmlns:a="http://schemas.openxmlformats.org/drawingml/2006/main" xmlns:r="http://schemas.openxmlformats.org/officeDocument/2006/relationships" xmlns:p="http://schemas.openxmlformats.org/presentationml/2006/main">
+  <p:cSld>
+    <p:spTree>
+      <p:nvGrpSpPr>
+        <p:cNvPr id="1" name=""/>
+        <p:cNvGrpSpPr/>
+        <p:nvPr/>
+      </p:nvGrpSpPr>
+      <p:grpSpPr>
+        <a:xfrm>
+          <a:off x="0" y="0"/>
+          <a:ext cx="0" cy="0"/>
+          <a:chOff x="0" y="0"/>
+          <a:chExt cx="0" cy="0"/>
+        </a:xfrm>
+      </p:grpSpPr>
+      <p:sp>
+        <p:nvSpPr>
+          <p:cNvPr id="2" name="Заголовок 1"/>
+          <p:cNvSpPr>
+            <a:spLocks noGrp="1"/>
+          </p:cNvSpPr>
+          <p:nvPr>
+            <p:ph type="title"/>
+          </p:nvPr>
+        </p:nvSpPr>
+        <p:spPr>
+          <a:xfrm>
+            <a:off x="683568" y="260648"/>
+            <a:ext cx="2808313" cy="1143000"/>
+          </a:xfrm>
+        </p:spPr>
+        <p:txBody>
+          <a:bodyPr/>
+          <a:lstStyle/>
+          <a:p>
+            <a:pPr marL="0" indent="0" algn="ctr">
+              <a:buNone/>
+            </a:pPr>
+            <a:r>
+              <a:rPr lang="en-US" sz="3200" dirty="0">
+                <a:effectLst/>
+              </a:rPr>
+              <a:t>V-Shaped Strengths</a:t>
+            </a:r>
+            <a:endParaRPr lang="uk-UA" sz="3200" dirty="0"/>
+          </a:p>
+        </p:txBody>
+      </p:sp>
+      <p:sp>
+        <p:nvSpPr>
+          <p:cNvPr id="3" name="Прямоугольник 2"/>
+          <p:cNvSpPr/>
+          <p:nvPr/>
+        </p:nvSpPr>
+        <p:spPr>
+          <a:xfrm>
+            <a:off x="179512" y="1536174"/>
+            <a:ext cx="4572000" cy="2031325"/>
+          </a:xfrm>
+          <a:prstGeom prst="rect">
+            <a:avLst/>
+          </a:prstGeom>
+        </p:spPr>
+        <p:txBody>
+          <a:bodyPr>
+            <a:spAutoFit/>
+          </a:bodyPr>
+          <a:lstStyle/>
+          <a:p>
+            <a:r>
+              <a:rPr lang="en-US" dirty="0" smtClean="0"/>
+              <a:t>• Emphasize planning for verification and validation of the product in early stages of product development </a:t>
+            </a:r>
+          </a:p>
+          <a:p>
+            <a:r>
+              <a:rPr lang="en-US" dirty="0" smtClean="0"/>
+              <a:t>• Each deliverable must be testable </a:t>
+            </a:r>
+          </a:p>
+          <a:p>
+            <a:r>
+              <a:rPr lang="en-US" dirty="0" smtClean="0"/>
+              <a:t>• Project management can track progress by milestones </a:t>
+            </a:r>
+          </a:p>
+          <a:p>
+            <a:r>
+              <a:rPr lang="en-US" dirty="0" smtClean="0"/>
+              <a:t>• Easy to use</a:t>
+            </a:r>
+            <a:endParaRPr lang="uk-UA" dirty="0"/>
+          </a:p>
+        </p:txBody>
+      </p:sp>
+      <p:sp>
+        <p:nvSpPr>
+          <p:cNvPr id="4" name="Прямоугольник 3"/>
+          <p:cNvSpPr/>
+          <p:nvPr/>
+        </p:nvSpPr>
+        <p:spPr>
+          <a:xfrm>
+            <a:off x="4751512" y="3382832"/>
+            <a:ext cx="2988840" cy="1077218"/>
+          </a:xfrm>
+          <a:prstGeom prst="rect">
+            <a:avLst/>
+          </a:prstGeom>
+        </p:spPr>
+        <p:txBody>
+          <a:bodyPr wrap="square">
+            <a:spAutoFit/>
+          </a:bodyPr>
+          <a:lstStyle/>
+          <a:p>
+            <a:pPr algn="ctr"/>
+            <a:r>
+              <a:rPr lang="en-US" sz="3200" b="1" dirty="0"/>
+              <a:t>V-Shaped Weaknesses</a:t>
+            </a:r>
+            <a:endParaRPr lang="uk-UA" sz="3200" b="1" dirty="0"/>
+          </a:p>
+        </p:txBody>
+      </p:sp>
+      <p:sp>
+        <p:nvSpPr>
+          <p:cNvPr id="5" name="Прямоугольник 4"/>
+          <p:cNvSpPr/>
+          <p:nvPr/>
+        </p:nvSpPr>
+        <p:spPr>
+          <a:xfrm>
+            <a:off x="3959932" y="4476458"/>
+            <a:ext cx="4788532" cy="1477328"/>
+          </a:xfrm>
+          <a:prstGeom prst="rect">
+            <a:avLst/>
+          </a:prstGeom>
+        </p:spPr>
+        <p:txBody>
+          <a:bodyPr wrap="square">
+            <a:spAutoFit/>
+          </a:bodyPr>
+          <a:lstStyle/>
+          <a:p>
+            <a:r>
+              <a:rPr lang="en-US" dirty="0"/>
+              <a:t>• Does not easily handle concurrent events </a:t>
+            </a:r>
+            <a:endParaRPr lang="en-US" dirty="0" smtClean="0"/>
+          </a:p>
+          <a:p>
+            <a:r>
+              <a:rPr lang="en-US" dirty="0" smtClean="0"/>
+              <a:t>• </a:t>
+            </a:r>
+            <a:r>
+              <a:rPr lang="en-US" dirty="0"/>
+              <a:t>Does not handle iterations or phases </a:t>
+            </a:r>
+            <a:endParaRPr lang="en-US" dirty="0" smtClean="0"/>
+          </a:p>
+          <a:p>
+            <a:r>
+              <a:rPr lang="en-US" dirty="0" smtClean="0"/>
+              <a:t>• </a:t>
+            </a:r>
+            <a:r>
+              <a:rPr lang="en-US" dirty="0"/>
+              <a:t>Does not easily handle dynamic changes in requirements </a:t>
+            </a:r>
+            <a:endParaRPr lang="en-US" dirty="0" smtClean="0"/>
+          </a:p>
+          <a:p>
+            <a:r>
+              <a:rPr lang="en-US" dirty="0" smtClean="0"/>
+              <a:t>• </a:t>
+            </a:r>
+            <a:r>
+              <a:rPr lang="en-US" dirty="0"/>
+              <a:t>Does not contain risk analysis activities</a:t>
+            </a:r>
+            <a:endParaRPr lang="uk-UA" dirty="0"/>
+          </a:p>
+        </p:txBody>
+      </p:sp>
+      <p:pic>
+        <p:nvPicPr>
+          <p:cNvPr id="6" name="Рисунок 5"/>
+          <p:cNvPicPr>
+            <a:picLocks noChangeAspect="1"/>
+          </p:cNvPicPr>
+          <p:nvPr/>
+        </p:nvPicPr>
+        <p:blipFill>
+          <a:blip r:embed="rId2">
+            <a:extLst>
+              <a:ext uri="{28A0092B-C50C-407E-A947-70E740481C1C}">
+                <a14:useLocalDpi xmlns:a14="http://schemas.microsoft.com/office/drawing/2010/main" val="0"/>
+              </a:ext>
+            </a:extLst>
+          </a:blip>
+          <a:stretch>
+            <a:fillRect/>
+          </a:stretch>
+        </p:blipFill>
+        <p:spPr>
+          <a:xfrm>
+            <a:off x="5292079" y="548680"/>
+            <a:ext cx="3487309" cy="2742983"/>
+          </a:xfrm>
+          <a:prstGeom prst="rect">
+            <a:avLst/>
+          </a:prstGeom>
+        </p:spPr>
+      </p:pic>
+      <p:pic>
+        <p:nvPicPr>
+          <p:cNvPr id="7" name="Рисунок 6"/>
+          <p:cNvPicPr>
+            <a:picLocks noChangeAspect="1"/>
+          </p:cNvPicPr>
+          <p:nvPr/>
+        </p:nvPicPr>
+        <p:blipFill>
+          <a:blip r:embed="rId3">
+            <a:extLst>
+              <a:ext uri="{28A0092B-C50C-407E-A947-70E740481C1C}">
+                <a14:useLocalDpi xmlns:a14="http://schemas.microsoft.com/office/drawing/2010/main" val="0"/>
+              </a:ext>
+            </a:extLst>
+          </a:blip>
+          <a:stretch>
+            <a:fillRect/>
+          </a:stretch>
+        </p:blipFill>
+        <p:spPr>
+          <a:xfrm>
+            <a:off x="179512" y="3615943"/>
+            <a:ext cx="3600400" cy="3000333"/>
+          </a:xfrm>
+          <a:prstGeom prst="rect">
+            <a:avLst/>
+          </a:prstGeom>
+        </p:spPr>
+      </p:pic>
+    </p:spTree>
+    <p:extLst>
+      <p:ext uri="{BB962C8B-B14F-4D97-AF65-F5344CB8AC3E}">
+        <p14:creationId xmlns:p14="http://schemas.microsoft.com/office/powerpoint/2010/main" val="1335335668"/>
+      </p:ext>
+    </p:extLst>
+  </p:cSld>
+  <p:clrMapOvr>
+    <a:masterClrMapping/>
+  </p:clrMapOvr>
+</p:sld>
+</file>
+
+<file path=ppt/slides/slide9.xml><?xml version="1.0" encoding="utf-8"?>
+<p:sld xmlns:a="http://schemas.openxmlformats.org/drawingml/2006/main" xmlns:r="http://schemas.openxmlformats.org/officeDocument/2006/relationships" xmlns:p="http://schemas.openxmlformats.org/presentationml/2006/main">
+  <p:cSld>
+    <p:spTree>
+      <p:nvGrpSpPr>
+        <p:cNvPr id="1" name=""/>
+        <p:cNvGrpSpPr/>
+        <p:nvPr/>
+      </p:nvGrpSpPr>
+      <p:grpSpPr>
+        <a:xfrm>
+          <a:off x="0" y="0"/>
+          <a:ext cx="0" cy="0"/>
+          <a:chOff x="0" y="0"/>
+          <a:chExt cx="0" cy="0"/>
+        </a:xfrm>
+      </p:grpSpPr>
+      <p:sp>
+        <p:nvSpPr>
+          <p:cNvPr id="2" name="Заголовок 1"/>
+          <p:cNvSpPr>
+            <a:spLocks noGrp="1"/>
+          </p:cNvSpPr>
+          <p:nvPr>
+            <p:ph type="title"/>
+          </p:nvPr>
+        </p:nvSpPr>
+        <p:spPr>
+          <a:xfrm>
+            <a:off x="1403648" y="260648"/>
+            <a:ext cx="6512511" cy="1143000"/>
+          </a:xfrm>
+        </p:spPr>
+        <p:txBody>
+          <a:bodyPr/>
+          <a:lstStyle/>
+          <a:p>
+            <a:pPr marL="0" indent="0" algn="ctr">
+              <a:buNone/>
+            </a:pPr>
+            <a:r>
+              <a:rPr lang="en-US" dirty="0"/>
+              <a:t>Spiral SDLC Model</a:t>
+            </a:r>
+            <a:endParaRPr lang="uk-UA" dirty="0"/>
+          </a:p>
+        </p:txBody>
+      </p:sp>
+      <p:pic>
+        <p:nvPicPr>
+          <p:cNvPr id="3" name="Picture 8" descr="Spiral SDLC 2"/>
+          <p:cNvPicPr>
+            <a:picLocks noChangeAspect="1" noChangeArrowheads="1"/>
+          </p:cNvPicPr>
+          <p:nvPr/>
+        </p:nvPicPr>
+        <p:blipFill>
+          <a:blip r:embed="rId2"/>
+          <a:srcRect/>
+          <a:stretch>
+            <a:fillRect/>
+          </a:stretch>
+        </p:blipFill>
+        <p:spPr>
+          <a:xfrm>
+            <a:off x="1187624" y="1340768"/>
+            <a:ext cx="7180745" cy="4453880"/>
+          </a:xfrm>
+          <a:prstGeom prst="rect">
+            <a:avLst/>
+          </a:prstGeom>
+          <a:noFill/>
+          <a:ln/>
+        </p:spPr>
+      </p:pic>
+    </p:spTree>
+    <p:extLst>
+      <p:ext uri="{BB962C8B-B14F-4D97-AF65-F5344CB8AC3E}">
+        <p14:creationId xmlns:p14="http://schemas.microsoft.com/office/powerpoint/2010/main" val="2053676006"/>
+      </p:ext>
+    </p:extLst>
+  </p:cSld>
+  <p:clrMapOvr>
+    <a:masterClrMapping/>
+  </p:clrMapOvr>
+</p:sld>
+</file>
+
 <file path=ppt/theme/theme1.xml><?xml version="1.0" encoding="utf-8"?>
 <a:theme xmlns:a="http://schemas.openxmlformats.org/drawingml/2006/main" name="Воздушный поток">
   <a:themeElements>
